--- a/notes/演示文稿1.pptx
+++ b/notes/演示文稿1.pptx
@@ -2547,7 +2547,7 @@
     <p:bg>
       <p:bgPr>
         <a:blipFill dpi="0" rotWithShape="1">
-          <a:blip r:embed="rId13">
+          <a:blip r:embed="rId13" cstate="print">
             <a:lum/>
           </a:blip>
           <a:srcRect/>
@@ -3195,21 +3195,7 @@
                 <a:latin typeface="Times New Roman" pitchFamily="18" charset="0"/>
                 <a:cs typeface="Times New Roman" pitchFamily="18" charset="0"/>
               </a:rPr>
-              <a:t>I</a:t>
-            </a:r>
-            <a:r>
-              <a:rPr lang="en-US" altLang="zh-CN" b="1" dirty="0" smtClean="0">
-                <a:latin typeface="Times New Roman" pitchFamily="18" charset="0"/>
-                <a:cs typeface="Times New Roman" pitchFamily="18" charset="0"/>
-              </a:rPr>
-              <a:t>.</a:t>
-            </a:r>
-            <a:r>
-              <a:rPr lang="en-US" altLang="zh-CN" b="1" dirty="0" smtClean="0">
-                <a:latin typeface="Times New Roman" pitchFamily="18" charset="0"/>
-                <a:cs typeface="Times New Roman" pitchFamily="18" charset="0"/>
-              </a:rPr>
-              <a:t>  </a:t>
+              <a:t>I.  </a:t>
             </a:r>
             <a:r>
               <a:rPr lang="en-US" altLang="zh-CN" b="1" dirty="0" smtClean="0"/>
@@ -3340,7 +3326,7 @@
           </a:bodyPr>
           <a:lstStyle/>
           <a:p>
-            <a:pPr>
+            <a:pPr marL="0">
               <a:buNone/>
             </a:pPr>
             <a:r>
@@ -3354,35 +3340,33 @@
             <a:endParaRPr lang="en-US" altLang="zh-CN" sz="2400" b="1" dirty="0" smtClean="0"/>
           </a:p>
           <a:p>
-            <a:pPr>
+            <a:pPr marL="0">
               <a:buNone/>
             </a:pPr>
             <a:r>
               <a:rPr lang="zh-CN" altLang="en-US" sz="2400" b="1" dirty="0" smtClean="0"/>
-              <a:t>①最原始的：具有两种状态的而且容易切换状态的物体。</a:t>
+              <a:t>①最原始的：具有</a:t>
+            </a:r>
+            <a:r>
+              <a:rPr lang="zh-CN" altLang="en-US" sz="2400" b="1" dirty="0" smtClean="0"/>
+              <a:t>两种容易区别的状态，而且</a:t>
+            </a:r>
+            <a:r>
+              <a:rPr lang="zh-CN" altLang="en-US" sz="2400" b="1" dirty="0" smtClean="0"/>
+              <a:t>容易切换状态的物体</a:t>
+            </a:r>
+            <a:r>
+              <a:rPr lang="zh-CN" altLang="en-US" sz="2400" b="1" dirty="0" smtClean="0"/>
+              <a:t>。如</a:t>
+            </a:r>
+            <a:r>
+              <a:rPr lang="zh-CN" altLang="en-US" sz="2400" b="1" dirty="0" smtClean="0"/>
+              <a:t>，纸带（配备打孔机），灯泡，发光二极管（后期）。</a:t>
             </a:r>
             <a:endParaRPr lang="en-US" altLang="zh-CN" sz="2400" b="1" dirty="0" smtClean="0"/>
           </a:p>
           <a:p>
-            <a:pPr>
-              <a:buNone/>
-            </a:pPr>
-            <a:r>
-              <a:rPr lang="zh-CN" altLang="en-US" sz="2400" b="1" dirty="0" smtClean="0"/>
-              <a:t>如，纸带（配备打孔机</a:t>
-            </a:r>
-            <a:r>
-              <a:rPr lang="zh-CN" altLang="en-US" sz="2400" b="1" dirty="0" smtClean="0"/>
-              <a:t>）</a:t>
-            </a:r>
-            <a:r>
-              <a:rPr lang="zh-CN" altLang="en-US" sz="2400" b="1" dirty="0" smtClean="0"/>
-              <a:t>，灯泡，发光二极管（后期）。</a:t>
-            </a:r>
-            <a:endParaRPr lang="en-US" altLang="zh-CN" sz="2400" b="1" dirty="0" smtClean="0"/>
-          </a:p>
-          <a:p>
-            <a:pPr>
+            <a:pPr marL="0">
               <a:buNone/>
             </a:pPr>
             <a:endParaRPr lang="zh-CN" altLang="en-US" sz="2400" b="1" dirty="0"/>
@@ -3398,7 +3382,7 @@
           <p:nvPr/>
         </p:nvPicPr>
         <p:blipFill>
-          <a:blip r:embed="rId2"/>
+          <a:blip r:embed="rId2" cstate="print"/>
           <a:srcRect l="34653" t="4041" r="6101" b="39443"/>
           <a:stretch>
             <a:fillRect/>
@@ -3497,7 +3481,15 @@
             </a:pPr>
             <a:r>
               <a:rPr lang="zh-CN" altLang="en-US" sz="2400" b="1" dirty="0" smtClean="0"/>
-              <a:t>②平面即时显示设备</a:t>
+              <a:t>②平面</a:t>
+            </a:r>
+            <a:r>
+              <a:rPr lang="zh-CN" altLang="en-US" sz="2400" b="1" dirty="0" smtClean="0"/>
+              <a:t>即时</a:t>
+            </a:r>
+            <a:r>
+              <a:rPr lang="zh-CN" altLang="en-US" sz="2400" b="1" dirty="0" smtClean="0"/>
+              <a:t>显示设备</a:t>
             </a:r>
             <a:endParaRPr lang="en-US" altLang="zh-CN" sz="2400" b="1" dirty="0" smtClean="0"/>
           </a:p>
@@ -3518,7 +3510,7 @@
           <p:nvPr/>
         </p:nvPicPr>
         <p:blipFill>
-          <a:blip r:embed="rId2"/>
+          <a:blip r:embed="rId2" cstate="print"/>
           <a:srcRect/>
           <a:stretch>
             <a:fillRect/>
@@ -3645,11 +3637,7 @@
             </a:pPr>
             <a:r>
               <a:rPr lang="en-US" altLang="zh-CN" b="1" dirty="0" smtClean="0"/>
-              <a:t> </a:t>
-            </a:r>
-            <a:r>
-              <a:rPr lang="en-US" altLang="zh-CN" b="1" dirty="0" smtClean="0"/>
-              <a:t>                            Hello, triangles.</a:t>
+              <a:t>                             Hello, triangles.</a:t>
             </a:r>
             <a:endParaRPr lang="zh-CN" altLang="en-US" b="1" dirty="0"/>
           </a:p>

--- a/notes/演示文稿1.pptx
+++ b/notes/演示文稿1.pptx
@@ -4,6 +4,9 @@
   <p:sldMasterIdLst>
     <p:sldMasterId id="2147483648" r:id="rId1"/>
   </p:sldMasterIdLst>
+  <p:notesMasterIdLst>
+    <p:notesMasterId r:id="rId14"/>
+  </p:notesMasterIdLst>
   <p:sldIdLst>
     <p:sldId id="256" r:id="rId2"/>
     <p:sldId id="257" r:id="rId3"/>
@@ -11,7 +14,12 @@
     <p:sldId id="260" r:id="rId5"/>
     <p:sldId id="261" r:id="rId6"/>
     <p:sldId id="262" r:id="rId7"/>
-    <p:sldId id="259" r:id="rId8"/>
+    <p:sldId id="263" r:id="rId8"/>
+    <p:sldId id="264" r:id="rId9"/>
+    <p:sldId id="259" r:id="rId10"/>
+    <p:sldId id="265" r:id="rId11"/>
+    <p:sldId id="267" r:id="rId12"/>
+    <p:sldId id="266" r:id="rId13"/>
   </p:sldIdLst>
   <p:sldSz cx="9144000" cy="6858000" type="screen4x3"/>
   <p:notesSz cx="6858000" cy="9144000"/>
@@ -113,6 +121,434 @@
 </p:presentation>
 </file>
 
+<file path=ppt/notesMasters/notesMaster1.xml><?xml version="1.0" encoding="utf-8"?>
+<p:notesMaster xmlns:a="http://schemas.openxmlformats.org/drawingml/2006/main" xmlns:r="http://schemas.openxmlformats.org/officeDocument/2006/relationships" xmlns:p="http://schemas.openxmlformats.org/presentationml/2006/main">
+  <p:cSld>
+    <p:bg>
+      <p:bgRef idx="1001">
+        <a:schemeClr val="bg1"/>
+      </p:bgRef>
+    </p:bg>
+    <p:spTree>
+      <p:nvGrpSpPr>
+        <p:cNvPr id="1" name=""/>
+        <p:cNvGrpSpPr/>
+        <p:nvPr/>
+      </p:nvGrpSpPr>
+      <p:grpSpPr>
+        <a:xfrm>
+          <a:off x="0" y="0"/>
+          <a:ext cx="0" cy="0"/>
+          <a:chOff x="0" y="0"/>
+          <a:chExt cx="0" cy="0"/>
+        </a:xfrm>
+      </p:grpSpPr>
+      <p:sp>
+        <p:nvSpPr>
+          <p:cNvPr id="2" name="页眉占位符 1"/>
+          <p:cNvSpPr>
+            <a:spLocks noGrp="1"/>
+          </p:cNvSpPr>
+          <p:nvPr>
+            <p:ph type="hdr" sz="quarter"/>
+          </p:nvPr>
+        </p:nvSpPr>
+        <p:spPr>
+          <a:xfrm>
+            <a:off x="0" y="0"/>
+            <a:ext cx="2971800" cy="457200"/>
+          </a:xfrm>
+          <a:prstGeom prst="rect">
+            <a:avLst/>
+          </a:prstGeom>
+        </p:spPr>
+        <p:txBody>
+          <a:bodyPr vert="horz" lIns="91440" tIns="45720" rIns="91440" bIns="45720" rtlCol="0"/>
+          <a:lstStyle>
+            <a:lvl1pPr algn="l">
+              <a:defRPr sz="1200"/>
+            </a:lvl1pPr>
+          </a:lstStyle>
+          <a:p>
+            <a:endParaRPr lang="zh-CN" altLang="en-US"/>
+          </a:p>
+        </p:txBody>
+      </p:sp>
+      <p:sp>
+        <p:nvSpPr>
+          <p:cNvPr id="3" name="日期占位符 2"/>
+          <p:cNvSpPr>
+            <a:spLocks noGrp="1"/>
+          </p:cNvSpPr>
+          <p:nvPr>
+            <p:ph type="dt" idx="1"/>
+          </p:nvPr>
+        </p:nvSpPr>
+        <p:spPr>
+          <a:xfrm>
+            <a:off x="3884613" y="0"/>
+            <a:ext cx="2971800" cy="457200"/>
+          </a:xfrm>
+          <a:prstGeom prst="rect">
+            <a:avLst/>
+          </a:prstGeom>
+        </p:spPr>
+        <p:txBody>
+          <a:bodyPr vert="horz" lIns="91440" tIns="45720" rIns="91440" bIns="45720" rtlCol="0"/>
+          <a:lstStyle>
+            <a:lvl1pPr algn="r">
+              <a:defRPr sz="1200"/>
+            </a:lvl1pPr>
+          </a:lstStyle>
+          <a:p>
+            <a:fld id="{30DB42F3-A822-4DBA-A2AB-0D6AC23C54AF}" type="datetimeFigureOut">
+              <a:rPr lang="zh-CN" altLang="en-US" smtClean="0"/>
+              <a:t>2011-12-12</a:t>
+            </a:fld>
+            <a:endParaRPr lang="zh-CN" altLang="en-US"/>
+          </a:p>
+        </p:txBody>
+      </p:sp>
+      <p:sp>
+        <p:nvSpPr>
+          <p:cNvPr id="4" name="幻灯片图像占位符 3"/>
+          <p:cNvSpPr>
+            <a:spLocks noGrp="1" noRot="1" noChangeAspect="1"/>
+          </p:cNvSpPr>
+          <p:nvPr>
+            <p:ph type="sldImg" idx="2"/>
+          </p:nvPr>
+        </p:nvSpPr>
+        <p:spPr>
+          <a:xfrm>
+            <a:off x="1143000" y="685800"/>
+            <a:ext cx="4572000" cy="3429000"/>
+          </a:xfrm>
+          <a:prstGeom prst="rect">
+            <a:avLst/>
+          </a:prstGeom>
+          <a:noFill/>
+          <a:ln w="12700">
+            <a:solidFill>
+              <a:prstClr val="black"/>
+            </a:solidFill>
+          </a:ln>
+        </p:spPr>
+        <p:txBody>
+          <a:bodyPr vert="horz" lIns="91440" tIns="45720" rIns="91440" bIns="45720" rtlCol="0" anchor="ctr"/>
+          <a:lstStyle/>
+          <a:p>
+            <a:endParaRPr lang="zh-CN" altLang="en-US"/>
+          </a:p>
+        </p:txBody>
+      </p:sp>
+      <p:sp>
+        <p:nvSpPr>
+          <p:cNvPr id="5" name="备注占位符 4"/>
+          <p:cNvSpPr>
+            <a:spLocks noGrp="1"/>
+          </p:cNvSpPr>
+          <p:nvPr>
+            <p:ph type="body" sz="quarter" idx="3"/>
+          </p:nvPr>
+        </p:nvSpPr>
+        <p:spPr>
+          <a:xfrm>
+            <a:off x="685800" y="4343400"/>
+            <a:ext cx="5486400" cy="4114800"/>
+          </a:xfrm>
+          <a:prstGeom prst="rect">
+            <a:avLst/>
+          </a:prstGeom>
+        </p:spPr>
+        <p:txBody>
+          <a:bodyPr vert="horz" lIns="91440" tIns="45720" rIns="91440" bIns="45720" rtlCol="0">
+            <a:normAutofit/>
+          </a:bodyPr>
+          <a:lstStyle/>
+          <a:p>
+            <a:pPr lvl="0"/>
+            <a:r>
+              <a:rPr lang="zh-CN" altLang="en-US" smtClean="0"/>
+              <a:t>单击此处编辑母版文本样式</a:t>
+            </a:r>
+          </a:p>
+          <a:p>
+            <a:pPr lvl="1"/>
+            <a:r>
+              <a:rPr lang="zh-CN" altLang="en-US" smtClean="0"/>
+              <a:t>第二级</a:t>
+            </a:r>
+          </a:p>
+          <a:p>
+            <a:pPr lvl="2"/>
+            <a:r>
+              <a:rPr lang="zh-CN" altLang="en-US" smtClean="0"/>
+              <a:t>第三级</a:t>
+            </a:r>
+          </a:p>
+          <a:p>
+            <a:pPr lvl="3"/>
+            <a:r>
+              <a:rPr lang="zh-CN" altLang="en-US" smtClean="0"/>
+              <a:t>第四级</a:t>
+            </a:r>
+          </a:p>
+          <a:p>
+            <a:pPr lvl="4"/>
+            <a:r>
+              <a:rPr lang="zh-CN" altLang="en-US" smtClean="0"/>
+              <a:t>第五级</a:t>
+            </a:r>
+            <a:endParaRPr lang="zh-CN" altLang="en-US"/>
+          </a:p>
+        </p:txBody>
+      </p:sp>
+      <p:sp>
+        <p:nvSpPr>
+          <p:cNvPr id="6" name="页脚占位符 5"/>
+          <p:cNvSpPr>
+            <a:spLocks noGrp="1"/>
+          </p:cNvSpPr>
+          <p:nvPr>
+            <p:ph type="ftr" sz="quarter" idx="4"/>
+          </p:nvPr>
+        </p:nvSpPr>
+        <p:spPr>
+          <a:xfrm>
+            <a:off x="0" y="8685213"/>
+            <a:ext cx="2971800" cy="457200"/>
+          </a:xfrm>
+          <a:prstGeom prst="rect">
+            <a:avLst/>
+          </a:prstGeom>
+        </p:spPr>
+        <p:txBody>
+          <a:bodyPr vert="horz" lIns="91440" tIns="45720" rIns="91440" bIns="45720" rtlCol="0" anchor="b"/>
+          <a:lstStyle>
+            <a:lvl1pPr algn="l">
+              <a:defRPr sz="1200"/>
+            </a:lvl1pPr>
+          </a:lstStyle>
+          <a:p>
+            <a:endParaRPr lang="zh-CN" altLang="en-US"/>
+          </a:p>
+        </p:txBody>
+      </p:sp>
+      <p:sp>
+        <p:nvSpPr>
+          <p:cNvPr id="7" name="灯片编号占位符 6"/>
+          <p:cNvSpPr>
+            <a:spLocks noGrp="1"/>
+          </p:cNvSpPr>
+          <p:nvPr>
+            <p:ph type="sldNum" sz="quarter" idx="5"/>
+          </p:nvPr>
+        </p:nvSpPr>
+        <p:spPr>
+          <a:xfrm>
+            <a:off x="3884613" y="8685213"/>
+            <a:ext cx="2971800" cy="457200"/>
+          </a:xfrm>
+          <a:prstGeom prst="rect">
+            <a:avLst/>
+          </a:prstGeom>
+        </p:spPr>
+        <p:txBody>
+          <a:bodyPr vert="horz" lIns="91440" tIns="45720" rIns="91440" bIns="45720" rtlCol="0" anchor="b"/>
+          <a:lstStyle>
+            <a:lvl1pPr algn="r">
+              <a:defRPr sz="1200"/>
+            </a:lvl1pPr>
+          </a:lstStyle>
+          <a:p>
+            <a:fld id="{4593CA5A-112A-442E-8B95-2094B50EEB26}" type="slidenum">
+              <a:rPr lang="zh-CN" altLang="en-US" smtClean="0"/>
+              <a:t>‹#›</a:t>
+            </a:fld>
+            <a:endParaRPr lang="zh-CN" altLang="en-US"/>
+          </a:p>
+        </p:txBody>
+      </p:sp>
+    </p:spTree>
+  </p:cSld>
+  <p:clrMap bg1="lt1" tx1="dk1" bg2="lt2" tx2="dk2" accent1="accent1" accent2="accent2" accent3="accent3" accent4="accent4" accent5="accent5" accent6="accent6" hlink="hlink" folHlink="folHlink"/>
+  <p:notesStyle>
+    <a:lvl1pPr marL="0" algn="l" defTabSz="914400" rtl="0" eaLnBrk="1" latinLnBrk="0" hangingPunct="1">
+      <a:defRPr sz="1200" kern="1200">
+        <a:solidFill>
+          <a:schemeClr val="tx1"/>
+        </a:solidFill>
+        <a:latin typeface="+mn-lt"/>
+        <a:ea typeface="+mn-ea"/>
+        <a:cs typeface="+mn-cs"/>
+      </a:defRPr>
+    </a:lvl1pPr>
+    <a:lvl2pPr marL="457200" algn="l" defTabSz="914400" rtl="0" eaLnBrk="1" latinLnBrk="0" hangingPunct="1">
+      <a:defRPr sz="1200" kern="1200">
+        <a:solidFill>
+          <a:schemeClr val="tx1"/>
+        </a:solidFill>
+        <a:latin typeface="+mn-lt"/>
+        <a:ea typeface="+mn-ea"/>
+        <a:cs typeface="+mn-cs"/>
+      </a:defRPr>
+    </a:lvl2pPr>
+    <a:lvl3pPr marL="914400" algn="l" defTabSz="914400" rtl="0" eaLnBrk="1" latinLnBrk="0" hangingPunct="1">
+      <a:defRPr sz="1200" kern="1200">
+        <a:solidFill>
+          <a:schemeClr val="tx1"/>
+        </a:solidFill>
+        <a:latin typeface="+mn-lt"/>
+        <a:ea typeface="+mn-ea"/>
+        <a:cs typeface="+mn-cs"/>
+      </a:defRPr>
+    </a:lvl3pPr>
+    <a:lvl4pPr marL="1371600" algn="l" defTabSz="914400" rtl="0" eaLnBrk="1" latinLnBrk="0" hangingPunct="1">
+      <a:defRPr sz="1200" kern="1200">
+        <a:solidFill>
+          <a:schemeClr val="tx1"/>
+        </a:solidFill>
+        <a:latin typeface="+mn-lt"/>
+        <a:ea typeface="+mn-ea"/>
+        <a:cs typeface="+mn-cs"/>
+      </a:defRPr>
+    </a:lvl4pPr>
+    <a:lvl5pPr marL="1828800" algn="l" defTabSz="914400" rtl="0" eaLnBrk="1" latinLnBrk="0" hangingPunct="1">
+      <a:defRPr sz="1200" kern="1200">
+        <a:solidFill>
+          <a:schemeClr val="tx1"/>
+        </a:solidFill>
+        <a:latin typeface="+mn-lt"/>
+        <a:ea typeface="+mn-ea"/>
+        <a:cs typeface="+mn-cs"/>
+      </a:defRPr>
+    </a:lvl5pPr>
+    <a:lvl6pPr marL="2286000" algn="l" defTabSz="914400" rtl="0" eaLnBrk="1" latinLnBrk="0" hangingPunct="1">
+      <a:defRPr sz="1200" kern="1200">
+        <a:solidFill>
+          <a:schemeClr val="tx1"/>
+        </a:solidFill>
+        <a:latin typeface="+mn-lt"/>
+        <a:ea typeface="+mn-ea"/>
+        <a:cs typeface="+mn-cs"/>
+      </a:defRPr>
+    </a:lvl6pPr>
+    <a:lvl7pPr marL="2743200" algn="l" defTabSz="914400" rtl="0" eaLnBrk="1" latinLnBrk="0" hangingPunct="1">
+      <a:defRPr sz="1200" kern="1200">
+        <a:solidFill>
+          <a:schemeClr val="tx1"/>
+        </a:solidFill>
+        <a:latin typeface="+mn-lt"/>
+        <a:ea typeface="+mn-ea"/>
+        <a:cs typeface="+mn-cs"/>
+      </a:defRPr>
+    </a:lvl7pPr>
+    <a:lvl8pPr marL="3200400" algn="l" defTabSz="914400" rtl="0" eaLnBrk="1" latinLnBrk="0" hangingPunct="1">
+      <a:defRPr sz="1200" kern="1200">
+        <a:solidFill>
+          <a:schemeClr val="tx1"/>
+        </a:solidFill>
+        <a:latin typeface="+mn-lt"/>
+        <a:ea typeface="+mn-ea"/>
+        <a:cs typeface="+mn-cs"/>
+      </a:defRPr>
+    </a:lvl8pPr>
+    <a:lvl9pPr marL="3657600" algn="l" defTabSz="914400" rtl="0" eaLnBrk="1" latinLnBrk="0" hangingPunct="1">
+      <a:defRPr sz="1200" kern="1200">
+        <a:solidFill>
+          <a:schemeClr val="tx1"/>
+        </a:solidFill>
+        <a:latin typeface="+mn-lt"/>
+        <a:ea typeface="+mn-ea"/>
+        <a:cs typeface="+mn-cs"/>
+      </a:defRPr>
+    </a:lvl9pPr>
+  </p:notesStyle>
+</p:notesMaster>
+</file>
+
+<file path=ppt/notesSlides/notesSlide1.xml><?xml version="1.0" encoding="utf-8"?>
+<p:notes xmlns:a="http://schemas.openxmlformats.org/drawingml/2006/main" xmlns:r="http://schemas.openxmlformats.org/officeDocument/2006/relationships" xmlns:p="http://schemas.openxmlformats.org/presentationml/2006/main">
+  <p:cSld>
+    <p:spTree>
+      <p:nvGrpSpPr>
+        <p:cNvPr id="1" name=""/>
+        <p:cNvGrpSpPr/>
+        <p:nvPr/>
+      </p:nvGrpSpPr>
+      <p:grpSpPr>
+        <a:xfrm>
+          <a:off x="0" y="0"/>
+          <a:ext cx="0" cy="0"/>
+          <a:chOff x="0" y="0"/>
+          <a:chExt cx="0" cy="0"/>
+        </a:xfrm>
+      </p:grpSpPr>
+      <p:sp>
+        <p:nvSpPr>
+          <p:cNvPr id="2" name="幻灯片图像占位符 1"/>
+          <p:cNvSpPr>
+            <a:spLocks noGrp="1" noRot="1" noChangeAspect="1"/>
+          </p:cNvSpPr>
+          <p:nvPr>
+            <p:ph type="sldImg"/>
+          </p:nvPr>
+        </p:nvSpPr>
+        <p:spPr/>
+      </p:sp>
+      <p:sp>
+        <p:nvSpPr>
+          <p:cNvPr id="3" name="备注占位符 2"/>
+          <p:cNvSpPr>
+            <a:spLocks noGrp="1"/>
+          </p:cNvSpPr>
+          <p:nvPr>
+            <p:ph type="body" idx="1"/>
+          </p:nvPr>
+        </p:nvSpPr>
+        <p:spPr/>
+        <p:txBody>
+          <a:bodyPr>
+            <a:normAutofit/>
+          </a:bodyPr>
+          <a:lstStyle/>
+          <a:p>
+            <a:endParaRPr lang="zh-CN" altLang="en-US" dirty="0"/>
+          </a:p>
+        </p:txBody>
+      </p:sp>
+      <p:sp>
+        <p:nvSpPr>
+          <p:cNvPr id="4" name="灯片编号占位符 3"/>
+          <p:cNvSpPr>
+            <a:spLocks noGrp="1"/>
+          </p:cNvSpPr>
+          <p:nvPr>
+            <p:ph type="sldNum" sz="quarter" idx="10"/>
+          </p:nvPr>
+        </p:nvSpPr>
+        <p:spPr/>
+        <p:txBody>
+          <a:bodyPr/>
+          <a:lstStyle/>
+          <a:p>
+            <a:fld id="{4593CA5A-112A-442E-8B95-2094B50EEB26}" type="slidenum">
+              <a:rPr lang="zh-CN" altLang="en-US" smtClean="0"/>
+              <a:t>10</a:t>
+            </a:fld>
+            <a:endParaRPr lang="zh-CN" altLang="en-US"/>
+          </a:p>
+        </p:txBody>
+      </p:sp>
+    </p:spTree>
+  </p:cSld>
+  <p:clrMapOvr>
+    <a:masterClrMapping/>
+  </p:clrMapOvr>
+</p:notes>
+</file>
+
 <file path=ppt/slideLayouts/slideLayout1.xml><?xml version="1.0" encoding="utf-8"?>
 <p:sldLayout xmlns:a="http://schemas.openxmlformats.org/drawingml/2006/main" xmlns:r="http://schemas.openxmlformats.org/officeDocument/2006/relationships" xmlns:p="http://schemas.openxmlformats.org/presentationml/2006/main" type="title" preserve="1">
   <p:cSld name="标题幻灯片">
@@ -295,7 +731,7 @@
             <a:fld id="{5FA72200-67C1-42E8-945D-FA6D0561F8DE}" type="datetimeFigureOut">
               <a:rPr lang="zh-CN" altLang="en-US" smtClean="0"/>
               <a:pPr/>
-              <a:t>2011-12-11</a:t>
+              <a:t>2011-12-12</a:t>
             </a:fld>
             <a:endParaRPr lang="zh-CN" altLang="en-US"/>
           </a:p>
@@ -462,7 +898,7 @@
             <a:fld id="{5FA72200-67C1-42E8-945D-FA6D0561F8DE}" type="datetimeFigureOut">
               <a:rPr lang="zh-CN" altLang="en-US" smtClean="0"/>
               <a:pPr/>
-              <a:t>2011-12-11</a:t>
+              <a:t>2011-12-12</a:t>
             </a:fld>
             <a:endParaRPr lang="zh-CN" altLang="en-US"/>
           </a:p>
@@ -639,7 +1075,7 @@
             <a:fld id="{5FA72200-67C1-42E8-945D-FA6D0561F8DE}" type="datetimeFigureOut">
               <a:rPr lang="zh-CN" altLang="en-US" smtClean="0"/>
               <a:pPr/>
-              <a:t>2011-12-11</a:t>
+              <a:t>2011-12-12</a:t>
             </a:fld>
             <a:endParaRPr lang="zh-CN" altLang="en-US"/>
           </a:p>
@@ -806,7 +1242,7 @@
             <a:fld id="{5FA72200-67C1-42E8-945D-FA6D0561F8DE}" type="datetimeFigureOut">
               <a:rPr lang="zh-CN" altLang="en-US" smtClean="0"/>
               <a:pPr/>
-              <a:t>2011-12-11</a:t>
+              <a:t>2011-12-12</a:t>
             </a:fld>
             <a:endParaRPr lang="zh-CN" altLang="en-US"/>
           </a:p>
@@ -1049,7 +1485,7 @@
             <a:fld id="{5FA72200-67C1-42E8-945D-FA6D0561F8DE}" type="datetimeFigureOut">
               <a:rPr lang="zh-CN" altLang="en-US" smtClean="0"/>
               <a:pPr/>
-              <a:t>2011-12-11</a:t>
+              <a:t>2011-12-12</a:t>
             </a:fld>
             <a:endParaRPr lang="zh-CN" altLang="en-US"/>
           </a:p>
@@ -1334,7 +1770,7 @@
             <a:fld id="{5FA72200-67C1-42E8-945D-FA6D0561F8DE}" type="datetimeFigureOut">
               <a:rPr lang="zh-CN" altLang="en-US" smtClean="0"/>
               <a:pPr/>
-              <a:t>2011-12-11</a:t>
+              <a:t>2011-12-12</a:t>
             </a:fld>
             <a:endParaRPr lang="zh-CN" altLang="en-US"/>
           </a:p>
@@ -1753,7 +2189,7 @@
             <a:fld id="{5FA72200-67C1-42E8-945D-FA6D0561F8DE}" type="datetimeFigureOut">
               <a:rPr lang="zh-CN" altLang="en-US" smtClean="0"/>
               <a:pPr/>
-              <a:t>2011-12-11</a:t>
+              <a:t>2011-12-12</a:t>
             </a:fld>
             <a:endParaRPr lang="zh-CN" altLang="en-US"/>
           </a:p>
@@ -1868,7 +2304,7 @@
             <a:fld id="{5FA72200-67C1-42E8-945D-FA6D0561F8DE}" type="datetimeFigureOut">
               <a:rPr lang="zh-CN" altLang="en-US" smtClean="0"/>
               <a:pPr/>
-              <a:t>2011-12-11</a:t>
+              <a:t>2011-12-12</a:t>
             </a:fld>
             <a:endParaRPr lang="zh-CN" altLang="en-US"/>
           </a:p>
@@ -1960,7 +2396,7 @@
             <a:fld id="{5FA72200-67C1-42E8-945D-FA6D0561F8DE}" type="datetimeFigureOut">
               <a:rPr lang="zh-CN" altLang="en-US" smtClean="0"/>
               <a:pPr/>
-              <a:t>2011-12-11</a:t>
+              <a:t>2011-12-12</a:t>
             </a:fld>
             <a:endParaRPr lang="zh-CN" altLang="en-US"/>
           </a:p>
@@ -2234,7 +2670,7 @@
             <a:fld id="{5FA72200-67C1-42E8-945D-FA6D0561F8DE}" type="datetimeFigureOut">
               <a:rPr lang="zh-CN" altLang="en-US" smtClean="0"/>
               <a:pPr/>
-              <a:t>2011-12-11</a:t>
+              <a:t>2011-12-12</a:t>
             </a:fld>
             <a:endParaRPr lang="zh-CN" altLang="en-US"/>
           </a:p>
@@ -2484,7 +2920,7 @@
             <a:fld id="{5FA72200-67C1-42E8-945D-FA6D0561F8DE}" type="datetimeFigureOut">
               <a:rPr lang="zh-CN" altLang="en-US" smtClean="0"/>
               <a:pPr/>
-              <a:t>2011-12-11</a:t>
+              <a:t>2011-12-12</a:t>
             </a:fld>
             <a:endParaRPr lang="zh-CN" altLang="en-US"/>
           </a:p>
@@ -2703,7 +3139,7 @@
             <a:fld id="{5FA72200-67C1-42E8-945D-FA6D0561F8DE}" type="datetimeFigureOut">
               <a:rPr lang="zh-CN" altLang="en-US" smtClean="0"/>
               <a:pPr/>
-              <a:t>2011-12-11</a:t>
+              <a:t>2011-12-12</a:t>
             </a:fld>
             <a:endParaRPr lang="zh-CN" altLang="en-US"/>
           </a:p>
@@ -3145,6 +3581,1443 @@
   <p:clrMapOvr>
     <a:masterClrMapping/>
   </p:clrMapOvr>
+  <p:timing>
+    <p:tnLst>
+      <p:par>
+        <p:cTn id="1" dur="indefinite" restart="never" nodeType="tmRoot"/>
+      </p:par>
+    </p:tnLst>
+  </p:timing>
+</p:sld>
+</file>
+
+<file path=ppt/slides/slide10.xml><?xml version="1.0" encoding="utf-8"?>
+<p:sld xmlns:a="http://schemas.openxmlformats.org/drawingml/2006/main" xmlns:r="http://schemas.openxmlformats.org/officeDocument/2006/relationships" xmlns:p="http://schemas.openxmlformats.org/presentationml/2006/main">
+  <p:cSld>
+    <p:spTree>
+      <p:nvGrpSpPr>
+        <p:cNvPr id="1" name=""/>
+        <p:cNvGrpSpPr/>
+        <p:nvPr/>
+      </p:nvGrpSpPr>
+      <p:grpSpPr>
+        <a:xfrm>
+          <a:off x="0" y="0"/>
+          <a:ext cx="0" cy="0"/>
+          <a:chOff x="0" y="0"/>
+          <a:chExt cx="0" cy="0"/>
+        </a:xfrm>
+      </p:grpSpPr>
+      <p:sp>
+        <p:nvSpPr>
+          <p:cNvPr id="3" name="内容占位符 2"/>
+          <p:cNvSpPr>
+            <a:spLocks noGrp="1"/>
+          </p:cNvSpPr>
+          <p:nvPr>
+            <p:ph idx="1"/>
+          </p:nvPr>
+        </p:nvSpPr>
+        <p:spPr>
+          <a:xfrm>
+            <a:off x="457200" y="374716"/>
+            <a:ext cx="8229600" cy="4525963"/>
+          </a:xfrm>
+        </p:spPr>
+        <p:txBody>
+          <a:bodyPr>
+            <a:normAutofit/>
+          </a:bodyPr>
+          <a:lstStyle/>
+          <a:p>
+            <a:pPr>
+              <a:buNone/>
+            </a:pPr>
+            <a:r>
+              <a:rPr lang="zh-CN" altLang="en-US" sz="2400" b="1" dirty="0" smtClean="0"/>
+              <a:t>两个阶段</a:t>
+            </a:r>
+            <a:endParaRPr lang="zh-CN" altLang="en-US" sz="2400" b="1" dirty="0"/>
+          </a:p>
+        </p:txBody>
+      </p:sp>
+      <p:cxnSp>
+        <p:nvCxnSpPr>
+          <p:cNvPr id="5" name="直接连接符 4"/>
+          <p:cNvCxnSpPr/>
+          <p:nvPr/>
+        </p:nvCxnSpPr>
+        <p:spPr>
+          <a:xfrm rot="5400000">
+            <a:off x="2620654" y="2978873"/>
+            <a:ext cx="3384221" cy="9429"/>
+          </a:xfrm>
+          <a:prstGeom prst="line">
+            <a:avLst/>
+          </a:prstGeom>
+          <a:ln w="31750">
+            <a:prstDash val="dash"/>
+          </a:ln>
+        </p:spPr>
+        <p:style>
+          <a:lnRef idx="1">
+            <a:schemeClr val="accent1"/>
+          </a:lnRef>
+          <a:fillRef idx="0">
+            <a:schemeClr val="accent1"/>
+          </a:fillRef>
+          <a:effectRef idx="0">
+            <a:schemeClr val="accent1"/>
+          </a:effectRef>
+          <a:fontRef idx="minor">
+            <a:schemeClr val="tx1"/>
+          </a:fontRef>
+        </p:style>
+      </p:cxnSp>
+      <p:sp>
+        <p:nvSpPr>
+          <p:cNvPr id="8" name="TextBox 7"/>
+          <p:cNvSpPr txBox="1"/>
+          <p:nvPr/>
+        </p:nvSpPr>
+        <p:spPr>
+          <a:xfrm>
+            <a:off x="1847653" y="1517716"/>
+            <a:ext cx="785984" cy="369332"/>
+          </a:xfrm>
+          <a:prstGeom prst="rect">
+            <a:avLst/>
+          </a:prstGeom>
+          <a:noFill/>
+        </p:spPr>
+        <p:txBody>
+          <a:bodyPr wrap="none" rtlCol="0">
+            <a:spAutoFit/>
+          </a:bodyPr>
+          <a:lstStyle/>
+          <a:p>
+            <a:r>
+              <a:rPr lang="en-US" altLang="zh-CN" dirty="0" smtClean="0"/>
+              <a:t>Vertex</a:t>
+            </a:r>
+            <a:endParaRPr lang="zh-CN" altLang="en-US" dirty="0"/>
+          </a:p>
+        </p:txBody>
+      </p:sp>
+      <p:sp>
+        <p:nvSpPr>
+          <p:cNvPr id="9" name="TextBox 8"/>
+          <p:cNvSpPr txBox="1"/>
+          <p:nvPr/>
+        </p:nvSpPr>
+        <p:spPr>
+          <a:xfrm>
+            <a:off x="5910606" y="1545997"/>
+            <a:ext cx="1656094" cy="369332"/>
+          </a:xfrm>
+          <a:prstGeom prst="rect">
+            <a:avLst/>
+          </a:prstGeom>
+          <a:noFill/>
+        </p:spPr>
+        <p:txBody>
+          <a:bodyPr wrap="none" rtlCol="0">
+            <a:spAutoFit/>
+          </a:bodyPr>
+          <a:lstStyle/>
+          <a:p>
+            <a:r>
+              <a:rPr lang="en-US" altLang="zh-CN" dirty="0" smtClean="0"/>
+              <a:t>Fragment(Pixel)</a:t>
+            </a:r>
+            <a:endParaRPr lang="zh-CN" altLang="en-US" dirty="0"/>
+          </a:p>
+        </p:txBody>
+      </p:sp>
+      <p:grpSp>
+        <p:nvGrpSpPr>
+          <p:cNvPr id="21" name="组合 20"/>
+          <p:cNvGrpSpPr/>
+          <p:nvPr/>
+        </p:nvGrpSpPr>
+        <p:grpSpPr>
+          <a:xfrm>
+            <a:off x="1640265" y="3241936"/>
+            <a:ext cx="1155667" cy="2085895"/>
+            <a:chOff x="1640265" y="3241936"/>
+            <a:chExt cx="1155667" cy="2085895"/>
+          </a:xfrm>
+        </p:grpSpPr>
+        <p:pic>
+          <p:nvPicPr>
+            <p:cNvPr id="1026" name="Picture 2"/>
+            <p:cNvPicPr>
+              <a:picLocks noChangeAspect="1" noChangeArrowheads="1"/>
+            </p:cNvPicPr>
+            <p:nvPr/>
+          </p:nvPicPr>
+          <p:blipFill>
+            <a:blip r:embed="rId3"/>
+            <a:srcRect/>
+            <a:stretch>
+              <a:fillRect/>
+            </a:stretch>
+          </p:blipFill>
+          <p:spPr bwMode="auto">
+            <a:xfrm>
+              <a:off x="1710082" y="3241936"/>
+              <a:ext cx="1085850" cy="1543050"/>
+            </a:xfrm>
+            <a:prstGeom prst="rect">
+              <a:avLst/>
+            </a:prstGeom>
+            <a:noFill/>
+            <a:ln w="9525">
+              <a:noFill/>
+              <a:miter lim="800000"/>
+              <a:headEnd/>
+              <a:tailEnd/>
+            </a:ln>
+            <a:effectLst/>
+          </p:spPr>
+        </p:pic>
+        <p:sp>
+          <p:nvSpPr>
+            <p:cNvPr id="10" name="TextBox 9"/>
+            <p:cNvSpPr txBox="1"/>
+            <p:nvPr/>
+          </p:nvSpPr>
+          <p:spPr>
+            <a:xfrm>
+              <a:off x="1640265" y="4958499"/>
+              <a:ext cx="1128066" cy="369332"/>
+            </a:xfrm>
+            <a:prstGeom prst="rect">
+              <a:avLst/>
+            </a:prstGeom>
+            <a:noFill/>
+          </p:spPr>
+          <p:txBody>
+            <a:bodyPr wrap="none" rtlCol="0">
+              <a:spAutoFit/>
+            </a:bodyPr>
+            <a:lstStyle/>
+            <a:p>
+              <a:r>
+                <a:rPr lang="en-US" altLang="zh-CN" dirty="0" smtClean="0"/>
+                <a:t>Key frame</a:t>
+              </a:r>
+              <a:endParaRPr lang="zh-CN" altLang="en-US" dirty="0"/>
+            </a:p>
+          </p:txBody>
+        </p:sp>
+      </p:grpSp>
+      <p:grpSp>
+        <p:nvGrpSpPr>
+          <p:cNvPr id="22" name="组合 21"/>
+          <p:cNvGrpSpPr/>
+          <p:nvPr/>
+        </p:nvGrpSpPr>
+        <p:grpSpPr>
+          <a:xfrm>
+            <a:off x="5474715" y="3303850"/>
+            <a:ext cx="2266950" cy="2052261"/>
+            <a:chOff x="5474715" y="3303850"/>
+            <a:chExt cx="2266950" cy="2052261"/>
+          </a:xfrm>
+        </p:grpSpPr>
+        <p:pic>
+          <p:nvPicPr>
+            <p:cNvPr id="1027" name="Picture 3"/>
+            <p:cNvPicPr>
+              <a:picLocks noChangeAspect="1" noChangeArrowheads="1"/>
+            </p:cNvPicPr>
+            <p:nvPr/>
+          </p:nvPicPr>
+          <p:blipFill>
+            <a:blip r:embed="rId4"/>
+            <a:srcRect/>
+            <a:stretch>
+              <a:fillRect/>
+            </a:stretch>
+          </p:blipFill>
+          <p:spPr bwMode="auto">
+            <a:xfrm>
+              <a:off x="5474715" y="3303850"/>
+              <a:ext cx="2266950" cy="1419225"/>
+            </a:xfrm>
+            <a:prstGeom prst="rect">
+              <a:avLst/>
+            </a:prstGeom>
+            <a:noFill/>
+            <a:ln w="9525">
+              <a:noFill/>
+              <a:miter lim="800000"/>
+              <a:headEnd/>
+              <a:tailEnd/>
+            </a:ln>
+            <a:effectLst/>
+          </p:spPr>
+        </p:pic>
+        <p:sp>
+          <p:nvSpPr>
+            <p:cNvPr id="11" name="TextBox 10"/>
+            <p:cNvSpPr txBox="1"/>
+            <p:nvPr/>
+          </p:nvSpPr>
+          <p:spPr>
+            <a:xfrm>
+              <a:off x="6231119" y="4986779"/>
+              <a:ext cx="1158779" cy="369332"/>
+            </a:xfrm>
+            <a:prstGeom prst="rect">
+              <a:avLst/>
+            </a:prstGeom>
+            <a:noFill/>
+          </p:spPr>
+          <p:txBody>
+            <a:bodyPr wrap="none" rtlCol="0">
+              <a:spAutoFit/>
+            </a:bodyPr>
+            <a:lstStyle/>
+            <a:p>
+              <a:r>
+                <a:rPr lang="en-US" altLang="zh-CN" dirty="0" smtClean="0"/>
+                <a:t>Animation</a:t>
+              </a:r>
+              <a:endParaRPr lang="zh-CN" altLang="en-US" dirty="0"/>
+            </a:p>
+          </p:txBody>
+        </p:sp>
+      </p:grpSp>
+      <p:sp>
+        <p:nvSpPr>
+          <p:cNvPr id="13" name="右箭头 12"/>
+          <p:cNvSpPr/>
+          <p:nvPr/>
+        </p:nvSpPr>
+        <p:spPr>
+          <a:xfrm>
+            <a:off x="3601038" y="3619893"/>
+            <a:ext cx="1630838" cy="810705"/>
+          </a:xfrm>
+          <a:prstGeom prst="rightArrow">
+            <a:avLst/>
+          </a:prstGeom>
+        </p:spPr>
+        <p:style>
+          <a:lnRef idx="2">
+            <a:schemeClr val="accent1">
+              <a:shade val="50000"/>
+            </a:schemeClr>
+          </a:lnRef>
+          <a:fillRef idx="1">
+            <a:schemeClr val="accent1"/>
+          </a:fillRef>
+          <a:effectRef idx="0">
+            <a:schemeClr val="accent1"/>
+          </a:effectRef>
+          <a:fontRef idx="minor">
+            <a:schemeClr val="lt1"/>
+          </a:fontRef>
+        </p:style>
+        <p:txBody>
+          <a:bodyPr rtlCol="0" anchor="ctr"/>
+          <a:lstStyle/>
+          <a:p>
+            <a:pPr algn="ctr"/>
+            <a:r>
+              <a:rPr lang="en-US" altLang="zh-CN" dirty="0" smtClean="0"/>
+              <a:t>Tween</a:t>
+            </a:r>
+            <a:endParaRPr lang="zh-CN" altLang="en-US" dirty="0"/>
+          </a:p>
+        </p:txBody>
+      </p:sp>
+      <p:sp>
+        <p:nvSpPr>
+          <p:cNvPr id="14" name="右箭头 13"/>
+          <p:cNvSpPr/>
+          <p:nvPr/>
+        </p:nvSpPr>
+        <p:spPr>
+          <a:xfrm>
+            <a:off x="3610466" y="1348033"/>
+            <a:ext cx="1725106" cy="810705"/>
+          </a:xfrm>
+          <a:prstGeom prst="rightArrow">
+            <a:avLst/>
+          </a:prstGeom>
+        </p:spPr>
+        <p:style>
+          <a:lnRef idx="2">
+            <a:schemeClr val="accent1">
+              <a:shade val="50000"/>
+            </a:schemeClr>
+          </a:lnRef>
+          <a:fillRef idx="1">
+            <a:schemeClr val="accent1"/>
+          </a:fillRef>
+          <a:effectRef idx="0">
+            <a:schemeClr val="accent1"/>
+          </a:effectRef>
+          <a:fontRef idx="minor">
+            <a:schemeClr val="lt1"/>
+          </a:fontRef>
+        </p:style>
+        <p:txBody>
+          <a:bodyPr rtlCol="0" anchor="ctr"/>
+          <a:lstStyle/>
+          <a:p>
+            <a:pPr algn="ctr"/>
+            <a:r>
+              <a:rPr lang="en-US" b="1" dirty="0" smtClean="0"/>
+              <a:t>Interpolation</a:t>
+            </a:r>
+            <a:endParaRPr lang="zh-CN" altLang="en-US" dirty="0"/>
+          </a:p>
+        </p:txBody>
+      </p:sp>
+      <p:sp>
+        <p:nvSpPr>
+          <p:cNvPr id="16" name="TextBox 15"/>
+          <p:cNvSpPr txBox="1"/>
+          <p:nvPr/>
+        </p:nvSpPr>
+        <p:spPr>
+          <a:xfrm>
+            <a:off x="3535052" y="4751109"/>
+            <a:ext cx="1688989" cy="646331"/>
+          </a:xfrm>
+          <a:prstGeom prst="rect">
+            <a:avLst/>
+          </a:prstGeom>
+          <a:noFill/>
+        </p:spPr>
+        <p:txBody>
+          <a:bodyPr wrap="none" rtlCol="0">
+            <a:spAutoFit/>
+          </a:bodyPr>
+          <a:lstStyle/>
+          <a:p>
+            <a:r>
+              <a:rPr lang="en-US" altLang="zh-CN" dirty="0" smtClean="0"/>
+              <a:t>Computer will </a:t>
+            </a:r>
+          </a:p>
+          <a:p>
+            <a:r>
+              <a:rPr lang="en-US" altLang="zh-CN" dirty="0" smtClean="0"/>
+              <a:t>take the charge.</a:t>
+            </a:r>
+            <a:endParaRPr lang="zh-CN" altLang="en-US" dirty="0"/>
+          </a:p>
+        </p:txBody>
+      </p:sp>
+      <p:sp>
+        <p:nvSpPr>
+          <p:cNvPr id="17" name="TextBox 16"/>
+          <p:cNvSpPr txBox="1"/>
+          <p:nvPr/>
+        </p:nvSpPr>
+        <p:spPr>
+          <a:xfrm>
+            <a:off x="1376313" y="980388"/>
+            <a:ext cx="1716624" cy="369332"/>
+          </a:xfrm>
+          <a:prstGeom prst="rect">
+            <a:avLst/>
+          </a:prstGeom>
+          <a:noFill/>
+        </p:spPr>
+        <p:txBody>
+          <a:bodyPr wrap="none" rtlCol="0">
+            <a:spAutoFit/>
+          </a:bodyPr>
+          <a:lstStyle/>
+          <a:p>
+            <a:r>
+              <a:rPr lang="en-US" altLang="zh-CN" dirty="0" smtClean="0"/>
+              <a:t>All human work.</a:t>
+            </a:r>
+            <a:endParaRPr lang="zh-CN" altLang="en-US" dirty="0"/>
+          </a:p>
+        </p:txBody>
+      </p:sp>
+    </p:spTree>
+  </p:cSld>
+  <p:clrMapOvr>
+    <a:masterClrMapping/>
+  </p:clrMapOvr>
+  <p:timing>
+    <p:tnLst>
+      <p:par>
+        <p:cTn id="1" dur="indefinite" restart="never" nodeType="tmRoot">
+          <p:childTnLst>
+            <p:seq concurrent="1" nextAc="seek">
+              <p:cTn id="2" dur="indefinite" nodeType="mainSeq">
+                <p:childTnLst>
+                  <p:par>
+                    <p:cTn id="3" fill="hold">
+                      <p:stCondLst>
+                        <p:cond delay="indefinite"/>
+                      </p:stCondLst>
+                      <p:childTnLst>
+                        <p:par>
+                          <p:cTn id="4" fill="hold">
+                            <p:stCondLst>
+                              <p:cond delay="0"/>
+                            </p:stCondLst>
+                            <p:childTnLst>
+                              <p:par>
+                                <p:cTn id="5" presetID="2" presetClass="entr" presetSubtype="4" fill="hold" grpId="0" nodeType="clickEffect">
+                                  <p:stCondLst>
+                                    <p:cond delay="0"/>
+                                  </p:stCondLst>
+                                  <p:childTnLst>
+                                    <p:set>
+                                      <p:cBhvr>
+                                        <p:cTn id="6" dur="1" fill="hold">
+                                          <p:stCondLst>
+                                            <p:cond delay="0"/>
+                                          </p:stCondLst>
+                                        </p:cTn>
+                                        <p:tgtEl>
+                                          <p:spTgt spid="8"/>
+                                        </p:tgtEl>
+                                        <p:attrNameLst>
+                                          <p:attrName>style.visibility</p:attrName>
+                                        </p:attrNameLst>
+                                      </p:cBhvr>
+                                      <p:to>
+                                        <p:strVal val="visible"/>
+                                      </p:to>
+                                    </p:set>
+                                    <p:anim calcmode="lin" valueType="num">
+                                      <p:cBhvr additive="base">
+                                        <p:cTn id="7" dur="500" fill="hold"/>
+                                        <p:tgtEl>
+                                          <p:spTgt spid="8"/>
+                                        </p:tgtEl>
+                                        <p:attrNameLst>
+                                          <p:attrName>ppt_x</p:attrName>
+                                        </p:attrNameLst>
+                                      </p:cBhvr>
+                                      <p:tavLst>
+                                        <p:tav tm="0">
+                                          <p:val>
+                                            <p:strVal val="#ppt_x"/>
+                                          </p:val>
+                                        </p:tav>
+                                        <p:tav tm="100000">
+                                          <p:val>
+                                            <p:strVal val="#ppt_x"/>
+                                          </p:val>
+                                        </p:tav>
+                                      </p:tavLst>
+                                    </p:anim>
+                                    <p:anim calcmode="lin" valueType="num">
+                                      <p:cBhvr additive="base">
+                                        <p:cTn id="8" dur="500" fill="hold"/>
+                                        <p:tgtEl>
+                                          <p:spTgt spid="8"/>
+                                        </p:tgtEl>
+                                        <p:attrNameLst>
+                                          <p:attrName>ppt_y</p:attrName>
+                                        </p:attrNameLst>
+                                      </p:cBhvr>
+                                      <p:tavLst>
+                                        <p:tav tm="0">
+                                          <p:val>
+                                            <p:strVal val="1+#ppt_h/2"/>
+                                          </p:val>
+                                        </p:tav>
+                                        <p:tav tm="100000">
+                                          <p:val>
+                                            <p:strVal val="#ppt_y"/>
+                                          </p:val>
+                                        </p:tav>
+                                      </p:tavLst>
+                                    </p:anim>
+                                  </p:childTnLst>
+                                </p:cTn>
+                              </p:par>
+                              <p:par>
+                                <p:cTn id="9" presetID="2" presetClass="entr" presetSubtype="4" fill="hold" nodeType="withEffect">
+                                  <p:stCondLst>
+                                    <p:cond delay="0"/>
+                                  </p:stCondLst>
+                                  <p:childTnLst>
+                                    <p:set>
+                                      <p:cBhvr>
+                                        <p:cTn id="10" dur="1" fill="hold">
+                                          <p:stCondLst>
+                                            <p:cond delay="0"/>
+                                          </p:stCondLst>
+                                        </p:cTn>
+                                        <p:tgtEl>
+                                          <p:spTgt spid="5"/>
+                                        </p:tgtEl>
+                                        <p:attrNameLst>
+                                          <p:attrName>style.visibility</p:attrName>
+                                        </p:attrNameLst>
+                                      </p:cBhvr>
+                                      <p:to>
+                                        <p:strVal val="visible"/>
+                                      </p:to>
+                                    </p:set>
+                                    <p:anim calcmode="lin" valueType="num">
+                                      <p:cBhvr additive="base">
+                                        <p:cTn id="11" dur="500" fill="hold"/>
+                                        <p:tgtEl>
+                                          <p:spTgt spid="5"/>
+                                        </p:tgtEl>
+                                        <p:attrNameLst>
+                                          <p:attrName>ppt_x</p:attrName>
+                                        </p:attrNameLst>
+                                      </p:cBhvr>
+                                      <p:tavLst>
+                                        <p:tav tm="0">
+                                          <p:val>
+                                            <p:strVal val="#ppt_x"/>
+                                          </p:val>
+                                        </p:tav>
+                                        <p:tav tm="100000">
+                                          <p:val>
+                                            <p:strVal val="#ppt_x"/>
+                                          </p:val>
+                                        </p:tav>
+                                      </p:tavLst>
+                                    </p:anim>
+                                    <p:anim calcmode="lin" valueType="num">
+                                      <p:cBhvr additive="base">
+                                        <p:cTn id="12" dur="500" fill="hold"/>
+                                        <p:tgtEl>
+                                          <p:spTgt spid="5"/>
+                                        </p:tgtEl>
+                                        <p:attrNameLst>
+                                          <p:attrName>ppt_y</p:attrName>
+                                        </p:attrNameLst>
+                                      </p:cBhvr>
+                                      <p:tavLst>
+                                        <p:tav tm="0">
+                                          <p:val>
+                                            <p:strVal val="1+#ppt_h/2"/>
+                                          </p:val>
+                                        </p:tav>
+                                        <p:tav tm="100000">
+                                          <p:val>
+                                            <p:strVal val="#ppt_y"/>
+                                          </p:val>
+                                        </p:tav>
+                                      </p:tavLst>
+                                    </p:anim>
+                                  </p:childTnLst>
+                                </p:cTn>
+                              </p:par>
+                              <p:par>
+                                <p:cTn id="13" presetID="2" presetClass="entr" presetSubtype="4" fill="hold" grpId="0" nodeType="withEffect">
+                                  <p:stCondLst>
+                                    <p:cond delay="0"/>
+                                  </p:stCondLst>
+                                  <p:childTnLst>
+                                    <p:set>
+                                      <p:cBhvr>
+                                        <p:cTn id="14" dur="1" fill="hold">
+                                          <p:stCondLst>
+                                            <p:cond delay="0"/>
+                                          </p:stCondLst>
+                                        </p:cTn>
+                                        <p:tgtEl>
+                                          <p:spTgt spid="9"/>
+                                        </p:tgtEl>
+                                        <p:attrNameLst>
+                                          <p:attrName>style.visibility</p:attrName>
+                                        </p:attrNameLst>
+                                      </p:cBhvr>
+                                      <p:to>
+                                        <p:strVal val="visible"/>
+                                      </p:to>
+                                    </p:set>
+                                    <p:anim calcmode="lin" valueType="num">
+                                      <p:cBhvr additive="base">
+                                        <p:cTn id="15" dur="500" fill="hold"/>
+                                        <p:tgtEl>
+                                          <p:spTgt spid="9"/>
+                                        </p:tgtEl>
+                                        <p:attrNameLst>
+                                          <p:attrName>ppt_x</p:attrName>
+                                        </p:attrNameLst>
+                                      </p:cBhvr>
+                                      <p:tavLst>
+                                        <p:tav tm="0">
+                                          <p:val>
+                                            <p:strVal val="#ppt_x"/>
+                                          </p:val>
+                                        </p:tav>
+                                        <p:tav tm="100000">
+                                          <p:val>
+                                            <p:strVal val="#ppt_x"/>
+                                          </p:val>
+                                        </p:tav>
+                                      </p:tavLst>
+                                    </p:anim>
+                                    <p:anim calcmode="lin" valueType="num">
+                                      <p:cBhvr additive="base">
+                                        <p:cTn id="16" dur="500" fill="hold"/>
+                                        <p:tgtEl>
+                                          <p:spTgt spid="9"/>
+                                        </p:tgtEl>
+                                        <p:attrNameLst>
+                                          <p:attrName>ppt_y</p:attrName>
+                                        </p:attrNameLst>
+                                      </p:cBhvr>
+                                      <p:tavLst>
+                                        <p:tav tm="0">
+                                          <p:val>
+                                            <p:strVal val="1+#ppt_h/2"/>
+                                          </p:val>
+                                        </p:tav>
+                                        <p:tav tm="100000">
+                                          <p:val>
+                                            <p:strVal val="#ppt_y"/>
+                                          </p:val>
+                                        </p:tav>
+                                      </p:tavLst>
+                                    </p:anim>
+                                  </p:childTnLst>
+                                </p:cTn>
+                              </p:par>
+                            </p:childTnLst>
+                          </p:cTn>
+                        </p:par>
+                      </p:childTnLst>
+                    </p:cTn>
+                  </p:par>
+                  <p:par>
+                    <p:cTn id="17" fill="hold">
+                      <p:stCondLst>
+                        <p:cond delay="indefinite"/>
+                      </p:stCondLst>
+                      <p:childTnLst>
+                        <p:par>
+                          <p:cTn id="18" fill="hold">
+                            <p:stCondLst>
+                              <p:cond delay="0"/>
+                            </p:stCondLst>
+                            <p:childTnLst>
+                              <p:par>
+                                <p:cTn id="19" presetID="2" presetClass="entr" presetSubtype="4" fill="hold" nodeType="clickEffect">
+                                  <p:stCondLst>
+                                    <p:cond delay="0"/>
+                                  </p:stCondLst>
+                                  <p:childTnLst>
+                                    <p:set>
+                                      <p:cBhvr>
+                                        <p:cTn id="20" dur="1" fill="hold">
+                                          <p:stCondLst>
+                                            <p:cond delay="0"/>
+                                          </p:stCondLst>
+                                        </p:cTn>
+                                        <p:tgtEl>
+                                          <p:spTgt spid="21"/>
+                                        </p:tgtEl>
+                                        <p:attrNameLst>
+                                          <p:attrName>style.visibility</p:attrName>
+                                        </p:attrNameLst>
+                                      </p:cBhvr>
+                                      <p:to>
+                                        <p:strVal val="visible"/>
+                                      </p:to>
+                                    </p:set>
+                                    <p:anim calcmode="lin" valueType="num">
+                                      <p:cBhvr additive="base">
+                                        <p:cTn id="21" dur="500" fill="hold"/>
+                                        <p:tgtEl>
+                                          <p:spTgt spid="21"/>
+                                        </p:tgtEl>
+                                        <p:attrNameLst>
+                                          <p:attrName>ppt_x</p:attrName>
+                                        </p:attrNameLst>
+                                      </p:cBhvr>
+                                      <p:tavLst>
+                                        <p:tav tm="0">
+                                          <p:val>
+                                            <p:strVal val="#ppt_x"/>
+                                          </p:val>
+                                        </p:tav>
+                                        <p:tav tm="100000">
+                                          <p:val>
+                                            <p:strVal val="#ppt_x"/>
+                                          </p:val>
+                                        </p:tav>
+                                      </p:tavLst>
+                                    </p:anim>
+                                    <p:anim calcmode="lin" valueType="num">
+                                      <p:cBhvr additive="base">
+                                        <p:cTn id="22" dur="500" fill="hold"/>
+                                        <p:tgtEl>
+                                          <p:spTgt spid="21"/>
+                                        </p:tgtEl>
+                                        <p:attrNameLst>
+                                          <p:attrName>ppt_y</p:attrName>
+                                        </p:attrNameLst>
+                                      </p:cBhvr>
+                                      <p:tavLst>
+                                        <p:tav tm="0">
+                                          <p:val>
+                                            <p:strVal val="1+#ppt_h/2"/>
+                                          </p:val>
+                                        </p:tav>
+                                        <p:tav tm="100000">
+                                          <p:val>
+                                            <p:strVal val="#ppt_y"/>
+                                          </p:val>
+                                        </p:tav>
+                                      </p:tavLst>
+                                    </p:anim>
+                                  </p:childTnLst>
+                                </p:cTn>
+                              </p:par>
+                              <p:par>
+                                <p:cTn id="23" presetID="2" presetClass="entr" presetSubtype="4" fill="hold" nodeType="withEffect">
+                                  <p:stCondLst>
+                                    <p:cond delay="0"/>
+                                  </p:stCondLst>
+                                  <p:childTnLst>
+                                    <p:set>
+                                      <p:cBhvr>
+                                        <p:cTn id="24" dur="1" fill="hold">
+                                          <p:stCondLst>
+                                            <p:cond delay="0"/>
+                                          </p:stCondLst>
+                                        </p:cTn>
+                                        <p:tgtEl>
+                                          <p:spTgt spid="22"/>
+                                        </p:tgtEl>
+                                        <p:attrNameLst>
+                                          <p:attrName>style.visibility</p:attrName>
+                                        </p:attrNameLst>
+                                      </p:cBhvr>
+                                      <p:to>
+                                        <p:strVal val="visible"/>
+                                      </p:to>
+                                    </p:set>
+                                    <p:anim calcmode="lin" valueType="num">
+                                      <p:cBhvr additive="base">
+                                        <p:cTn id="25" dur="500" fill="hold"/>
+                                        <p:tgtEl>
+                                          <p:spTgt spid="22"/>
+                                        </p:tgtEl>
+                                        <p:attrNameLst>
+                                          <p:attrName>ppt_x</p:attrName>
+                                        </p:attrNameLst>
+                                      </p:cBhvr>
+                                      <p:tavLst>
+                                        <p:tav tm="0">
+                                          <p:val>
+                                            <p:strVal val="#ppt_x"/>
+                                          </p:val>
+                                        </p:tav>
+                                        <p:tav tm="100000">
+                                          <p:val>
+                                            <p:strVal val="#ppt_x"/>
+                                          </p:val>
+                                        </p:tav>
+                                      </p:tavLst>
+                                    </p:anim>
+                                    <p:anim calcmode="lin" valueType="num">
+                                      <p:cBhvr additive="base">
+                                        <p:cTn id="26" dur="500" fill="hold"/>
+                                        <p:tgtEl>
+                                          <p:spTgt spid="22"/>
+                                        </p:tgtEl>
+                                        <p:attrNameLst>
+                                          <p:attrName>ppt_y</p:attrName>
+                                        </p:attrNameLst>
+                                      </p:cBhvr>
+                                      <p:tavLst>
+                                        <p:tav tm="0">
+                                          <p:val>
+                                            <p:strVal val="1+#ppt_h/2"/>
+                                          </p:val>
+                                        </p:tav>
+                                        <p:tav tm="100000">
+                                          <p:val>
+                                            <p:strVal val="#ppt_y"/>
+                                          </p:val>
+                                        </p:tav>
+                                      </p:tavLst>
+                                    </p:anim>
+                                  </p:childTnLst>
+                                </p:cTn>
+                              </p:par>
+                            </p:childTnLst>
+                          </p:cTn>
+                        </p:par>
+                      </p:childTnLst>
+                    </p:cTn>
+                  </p:par>
+                  <p:par>
+                    <p:cTn id="27" fill="hold">
+                      <p:stCondLst>
+                        <p:cond delay="indefinite"/>
+                      </p:stCondLst>
+                      <p:childTnLst>
+                        <p:par>
+                          <p:cTn id="28" fill="hold">
+                            <p:stCondLst>
+                              <p:cond delay="0"/>
+                            </p:stCondLst>
+                            <p:childTnLst>
+                              <p:par>
+                                <p:cTn id="29" presetID="8" presetClass="entr" presetSubtype="16" fill="hold" grpId="0" nodeType="clickEffect">
+                                  <p:stCondLst>
+                                    <p:cond delay="0"/>
+                                  </p:stCondLst>
+                                  <p:childTnLst>
+                                    <p:set>
+                                      <p:cBhvr>
+                                        <p:cTn id="30" dur="1" fill="hold">
+                                          <p:stCondLst>
+                                            <p:cond delay="0"/>
+                                          </p:stCondLst>
+                                        </p:cTn>
+                                        <p:tgtEl>
+                                          <p:spTgt spid="13"/>
+                                        </p:tgtEl>
+                                        <p:attrNameLst>
+                                          <p:attrName>style.visibility</p:attrName>
+                                        </p:attrNameLst>
+                                      </p:cBhvr>
+                                      <p:to>
+                                        <p:strVal val="visible"/>
+                                      </p:to>
+                                    </p:set>
+                                    <p:animEffect transition="in" filter="diamond(in)">
+                                      <p:cBhvr>
+                                        <p:cTn id="31" dur="2000"/>
+                                        <p:tgtEl>
+                                          <p:spTgt spid="13"/>
+                                        </p:tgtEl>
+                                      </p:cBhvr>
+                                    </p:animEffect>
+                                  </p:childTnLst>
+                                </p:cTn>
+                              </p:par>
+                            </p:childTnLst>
+                          </p:cTn>
+                        </p:par>
+                      </p:childTnLst>
+                    </p:cTn>
+                  </p:par>
+                  <p:par>
+                    <p:cTn id="32" fill="hold">
+                      <p:stCondLst>
+                        <p:cond delay="indefinite"/>
+                      </p:stCondLst>
+                      <p:childTnLst>
+                        <p:par>
+                          <p:cTn id="33" fill="hold">
+                            <p:stCondLst>
+                              <p:cond delay="0"/>
+                            </p:stCondLst>
+                            <p:childTnLst>
+                              <p:par>
+                                <p:cTn id="34" presetID="8" presetClass="entr" presetSubtype="16" fill="hold" grpId="0" nodeType="clickEffect">
+                                  <p:stCondLst>
+                                    <p:cond delay="0"/>
+                                  </p:stCondLst>
+                                  <p:childTnLst>
+                                    <p:set>
+                                      <p:cBhvr>
+                                        <p:cTn id="35" dur="1" fill="hold">
+                                          <p:stCondLst>
+                                            <p:cond delay="0"/>
+                                          </p:stCondLst>
+                                        </p:cTn>
+                                        <p:tgtEl>
+                                          <p:spTgt spid="14"/>
+                                        </p:tgtEl>
+                                        <p:attrNameLst>
+                                          <p:attrName>style.visibility</p:attrName>
+                                        </p:attrNameLst>
+                                      </p:cBhvr>
+                                      <p:to>
+                                        <p:strVal val="visible"/>
+                                      </p:to>
+                                    </p:set>
+                                    <p:animEffect transition="in" filter="diamond(in)">
+                                      <p:cBhvr>
+                                        <p:cTn id="36" dur="2000"/>
+                                        <p:tgtEl>
+                                          <p:spTgt spid="14"/>
+                                        </p:tgtEl>
+                                      </p:cBhvr>
+                                    </p:animEffect>
+                                  </p:childTnLst>
+                                </p:cTn>
+                              </p:par>
+                            </p:childTnLst>
+                          </p:cTn>
+                        </p:par>
+                      </p:childTnLst>
+                    </p:cTn>
+                  </p:par>
+                  <p:par>
+                    <p:cTn id="37" fill="hold">
+                      <p:stCondLst>
+                        <p:cond delay="indefinite"/>
+                      </p:stCondLst>
+                      <p:childTnLst>
+                        <p:par>
+                          <p:cTn id="38" fill="hold">
+                            <p:stCondLst>
+                              <p:cond delay="0"/>
+                            </p:stCondLst>
+                            <p:childTnLst>
+                              <p:par>
+                                <p:cTn id="39" presetID="5" presetClass="entr" presetSubtype="10" fill="hold" grpId="0" nodeType="clickEffect">
+                                  <p:stCondLst>
+                                    <p:cond delay="0"/>
+                                  </p:stCondLst>
+                                  <p:childTnLst>
+                                    <p:set>
+                                      <p:cBhvr>
+                                        <p:cTn id="40" dur="1" fill="hold">
+                                          <p:stCondLst>
+                                            <p:cond delay="0"/>
+                                          </p:stCondLst>
+                                        </p:cTn>
+                                        <p:tgtEl>
+                                          <p:spTgt spid="17"/>
+                                        </p:tgtEl>
+                                        <p:attrNameLst>
+                                          <p:attrName>style.visibility</p:attrName>
+                                        </p:attrNameLst>
+                                      </p:cBhvr>
+                                      <p:to>
+                                        <p:strVal val="visible"/>
+                                      </p:to>
+                                    </p:set>
+                                    <p:animEffect transition="in" filter="checkerboard(across)">
+                                      <p:cBhvr>
+                                        <p:cTn id="41" dur="500"/>
+                                        <p:tgtEl>
+                                          <p:spTgt spid="17"/>
+                                        </p:tgtEl>
+                                      </p:cBhvr>
+                                    </p:animEffect>
+                                  </p:childTnLst>
+                                </p:cTn>
+                              </p:par>
+                            </p:childTnLst>
+                          </p:cTn>
+                        </p:par>
+                      </p:childTnLst>
+                    </p:cTn>
+                  </p:par>
+                  <p:par>
+                    <p:cTn id="42" fill="hold">
+                      <p:stCondLst>
+                        <p:cond delay="indefinite"/>
+                      </p:stCondLst>
+                      <p:childTnLst>
+                        <p:par>
+                          <p:cTn id="43" fill="hold">
+                            <p:stCondLst>
+                              <p:cond delay="0"/>
+                            </p:stCondLst>
+                            <p:childTnLst>
+                              <p:par>
+                                <p:cTn id="44" presetID="5" presetClass="entr" presetSubtype="10" fill="hold" grpId="0" nodeType="clickEffect">
+                                  <p:stCondLst>
+                                    <p:cond delay="0"/>
+                                  </p:stCondLst>
+                                  <p:childTnLst>
+                                    <p:set>
+                                      <p:cBhvr>
+                                        <p:cTn id="45" dur="1" fill="hold">
+                                          <p:stCondLst>
+                                            <p:cond delay="0"/>
+                                          </p:stCondLst>
+                                        </p:cTn>
+                                        <p:tgtEl>
+                                          <p:spTgt spid="16"/>
+                                        </p:tgtEl>
+                                        <p:attrNameLst>
+                                          <p:attrName>style.visibility</p:attrName>
+                                        </p:attrNameLst>
+                                      </p:cBhvr>
+                                      <p:to>
+                                        <p:strVal val="visible"/>
+                                      </p:to>
+                                    </p:set>
+                                    <p:animEffect transition="in" filter="checkerboard(across)">
+                                      <p:cBhvr>
+                                        <p:cTn id="46" dur="500"/>
+                                        <p:tgtEl>
+                                          <p:spTgt spid="16"/>
+                                        </p:tgtEl>
+                                      </p:cBhvr>
+                                    </p:animEffect>
+                                  </p:childTnLst>
+                                </p:cTn>
+                              </p:par>
+                            </p:childTnLst>
+                          </p:cTn>
+                        </p:par>
+                      </p:childTnLst>
+                    </p:cTn>
+                  </p:par>
+                </p:childTnLst>
+              </p:cTn>
+              <p:prevCondLst>
+                <p:cond evt="onPrev" delay="0">
+                  <p:tgtEl>
+                    <p:sldTgt/>
+                  </p:tgtEl>
+                </p:cond>
+              </p:prevCondLst>
+              <p:nextCondLst>
+                <p:cond evt="onNext" delay="0">
+                  <p:tgtEl>
+                    <p:sldTgt/>
+                  </p:tgtEl>
+                </p:cond>
+              </p:nextCondLst>
+            </p:seq>
+          </p:childTnLst>
+        </p:cTn>
+      </p:par>
+    </p:tnLst>
+    <p:bldLst>
+      <p:bldP spid="8" grpId="0"/>
+      <p:bldP spid="9" grpId="0"/>
+      <p:bldP spid="13" grpId="0" animBg="1"/>
+      <p:bldP spid="14" grpId="0" animBg="1"/>
+      <p:bldP spid="16" grpId="0"/>
+      <p:bldP spid="17" grpId="0"/>
+    </p:bldLst>
+  </p:timing>
+</p:sld>
+</file>
+
+<file path=ppt/slides/slide11.xml><?xml version="1.0" encoding="utf-8"?>
+<p:sld xmlns:a="http://schemas.openxmlformats.org/drawingml/2006/main" xmlns:r="http://schemas.openxmlformats.org/officeDocument/2006/relationships" xmlns:p="http://schemas.openxmlformats.org/presentationml/2006/main">
+  <p:cSld>
+    <p:spTree>
+      <p:nvGrpSpPr>
+        <p:cNvPr id="1" name=""/>
+        <p:cNvGrpSpPr/>
+        <p:nvPr/>
+      </p:nvGrpSpPr>
+      <p:grpSpPr>
+        <a:xfrm>
+          <a:off x="0" y="0"/>
+          <a:ext cx="0" cy="0"/>
+          <a:chOff x="0" y="0"/>
+          <a:chExt cx="0" cy="0"/>
+        </a:xfrm>
+      </p:grpSpPr>
+      <p:sp>
+        <p:nvSpPr>
+          <p:cNvPr id="3" name="内容占位符 2"/>
+          <p:cNvSpPr>
+            <a:spLocks noGrp="1"/>
+          </p:cNvSpPr>
+          <p:nvPr>
+            <p:ph idx="1"/>
+          </p:nvPr>
+        </p:nvSpPr>
+        <p:spPr>
+          <a:xfrm>
+            <a:off x="457200" y="346435"/>
+            <a:ext cx="8229600" cy="4525963"/>
+          </a:xfrm>
+        </p:spPr>
+        <p:txBody>
+          <a:bodyPr>
+            <a:normAutofit/>
+          </a:bodyPr>
+          <a:lstStyle/>
+          <a:p>
+            <a:pPr>
+              <a:buNone/>
+            </a:pPr>
+            <a:r>
+              <a:rPr lang="zh-CN" altLang="en-US" sz="2400" b="1" dirty="0" smtClean="0">
+                <a:latin typeface="Courier New" pitchFamily="49" charset="0"/>
+                <a:cs typeface="Courier New" pitchFamily="49" charset="0"/>
+              </a:rPr>
+              <a:t>指定几何对象</a:t>
+            </a:r>
+            <a:endParaRPr lang="en-US" altLang="zh-CN" sz="2400" b="1" dirty="0" smtClean="0">
+              <a:latin typeface="Courier New" pitchFamily="49" charset="0"/>
+              <a:cs typeface="Courier New" pitchFamily="49" charset="0"/>
+            </a:endParaRPr>
+          </a:p>
+          <a:p>
+            <a:pPr>
+              <a:buNone/>
+            </a:pPr>
+            <a:r>
+              <a:rPr lang="en-US" altLang="zh-CN" sz="2400" b="1" dirty="0" err="1" smtClean="0">
+                <a:latin typeface="Courier New" pitchFamily="49" charset="0"/>
+                <a:cs typeface="Courier New" pitchFamily="49" charset="0"/>
+              </a:rPr>
+              <a:t>glBegin</a:t>
+            </a:r>
+            <a:r>
+              <a:rPr lang="en-US" altLang="zh-CN" sz="2400" b="1" dirty="0" smtClean="0">
+                <a:latin typeface="Courier New" pitchFamily="49" charset="0"/>
+                <a:cs typeface="Courier New" pitchFamily="49" charset="0"/>
+              </a:rPr>
+              <a:t>(</a:t>
+            </a:r>
+            <a:r>
+              <a:rPr lang="zh-CN" altLang="en-US" sz="2400" b="1" dirty="0" smtClean="0">
+                <a:latin typeface="Courier New" pitchFamily="49" charset="0"/>
+                <a:cs typeface="Courier New" pitchFamily="49" charset="0"/>
+              </a:rPr>
+              <a:t>三角形</a:t>
+            </a:r>
+            <a:r>
+              <a:rPr lang="en-US" altLang="zh-CN" sz="2400" b="1" dirty="0" smtClean="0">
+                <a:latin typeface="Courier New" pitchFamily="49" charset="0"/>
+                <a:cs typeface="Courier New" pitchFamily="49" charset="0"/>
+              </a:rPr>
+              <a:t>);</a:t>
+            </a:r>
+          </a:p>
+          <a:p>
+            <a:pPr lvl="1">
+              <a:buNone/>
+            </a:pPr>
+            <a:r>
+              <a:rPr lang="en-US" altLang="zh-CN" sz="2400" b="1" dirty="0" err="1" smtClean="0">
+                <a:latin typeface="Courier New" pitchFamily="49" charset="0"/>
+                <a:cs typeface="Courier New" pitchFamily="49" charset="0"/>
+              </a:rPr>
+              <a:t>glColor</a:t>
+            </a:r>
+            <a:r>
+              <a:rPr lang="en-US" altLang="zh-CN" sz="2400" b="1" dirty="0" smtClean="0">
+                <a:latin typeface="Courier New" pitchFamily="49" charset="0"/>
+                <a:cs typeface="Courier New" pitchFamily="49" charset="0"/>
+              </a:rPr>
+              <a:t>(R,G,B);</a:t>
+            </a:r>
+          </a:p>
+          <a:p>
+            <a:pPr lvl="1">
+              <a:buNone/>
+            </a:pPr>
+            <a:r>
+              <a:rPr lang="en-US" altLang="zh-CN" sz="2400" b="1" dirty="0" err="1" smtClean="0">
+                <a:latin typeface="Courier New" pitchFamily="49" charset="0"/>
+                <a:cs typeface="Courier New" pitchFamily="49" charset="0"/>
+              </a:rPr>
+              <a:t>glTexCoord</a:t>
+            </a:r>
+            <a:r>
+              <a:rPr lang="en-US" altLang="zh-CN" sz="2400" b="1" dirty="0" smtClean="0">
+                <a:latin typeface="Courier New" pitchFamily="49" charset="0"/>
+                <a:cs typeface="Courier New" pitchFamily="49" charset="0"/>
+              </a:rPr>
+              <a:t>(</a:t>
+            </a:r>
+            <a:r>
+              <a:rPr lang="en-US" altLang="zh-CN" sz="2400" b="1" dirty="0" err="1" smtClean="0">
+                <a:latin typeface="Courier New" pitchFamily="49" charset="0"/>
+                <a:cs typeface="Courier New" pitchFamily="49" charset="0"/>
+              </a:rPr>
+              <a:t>s,q,r</a:t>
+            </a:r>
+            <a:r>
+              <a:rPr lang="en-US" altLang="zh-CN" sz="2400" b="1" dirty="0" smtClean="0">
+                <a:latin typeface="Courier New" pitchFamily="49" charset="0"/>
+                <a:cs typeface="Courier New" pitchFamily="49" charset="0"/>
+              </a:rPr>
+              <a:t>,);</a:t>
+            </a:r>
+          </a:p>
+          <a:p>
+            <a:pPr lvl="1">
+              <a:buNone/>
+            </a:pPr>
+            <a:r>
+              <a:rPr lang="en-US" altLang="zh-CN" sz="2400" b="1" dirty="0" err="1" smtClean="0">
+                <a:latin typeface="Courier New" pitchFamily="49" charset="0"/>
+                <a:cs typeface="Courier New" pitchFamily="49" charset="0"/>
+              </a:rPr>
+              <a:t>glVertex</a:t>
+            </a:r>
+            <a:r>
+              <a:rPr lang="en-US" altLang="zh-CN" sz="2400" b="1" dirty="0" smtClean="0">
+                <a:latin typeface="Courier New" pitchFamily="49" charset="0"/>
+                <a:cs typeface="Courier New" pitchFamily="49" charset="0"/>
+              </a:rPr>
+              <a:t>(</a:t>
+            </a:r>
+            <a:r>
+              <a:rPr lang="en-US" altLang="zh-CN" sz="2400" b="1" dirty="0" err="1" smtClean="0">
+                <a:latin typeface="Courier New" pitchFamily="49" charset="0"/>
+                <a:cs typeface="Courier New" pitchFamily="49" charset="0"/>
+              </a:rPr>
+              <a:t>x,y,z</a:t>
+            </a:r>
+            <a:r>
+              <a:rPr lang="en-US" altLang="zh-CN" sz="2400" b="1" dirty="0" smtClean="0">
+                <a:latin typeface="Courier New" pitchFamily="49" charset="0"/>
+                <a:cs typeface="Courier New" pitchFamily="49" charset="0"/>
+              </a:rPr>
+              <a:t>);</a:t>
+            </a:r>
+          </a:p>
+          <a:p>
+            <a:pPr lvl="1">
+              <a:buNone/>
+            </a:pPr>
+            <a:r>
+              <a:rPr lang="en-US" altLang="zh-CN" sz="2400" b="1" dirty="0" smtClean="0">
+                <a:latin typeface="Courier New" pitchFamily="49" charset="0"/>
+                <a:cs typeface="Courier New" pitchFamily="49" charset="0"/>
+              </a:rPr>
+              <a:t>...</a:t>
+            </a:r>
+          </a:p>
+          <a:p>
+            <a:pPr>
+              <a:buNone/>
+            </a:pPr>
+            <a:r>
+              <a:rPr lang="en-US" altLang="zh-CN" sz="2400" b="1" dirty="0" err="1" smtClean="0">
+                <a:latin typeface="Courier New" pitchFamily="49" charset="0"/>
+                <a:cs typeface="Courier New" pitchFamily="49" charset="0"/>
+              </a:rPr>
+              <a:t>glEnd</a:t>
+            </a:r>
+            <a:r>
+              <a:rPr lang="en-US" altLang="zh-CN" sz="2400" b="1" dirty="0" smtClean="0">
+                <a:latin typeface="Courier New" pitchFamily="49" charset="0"/>
+                <a:cs typeface="Courier New" pitchFamily="49" charset="0"/>
+              </a:rPr>
+              <a:t>();</a:t>
+            </a:r>
+          </a:p>
+          <a:p>
+            <a:pPr>
+              <a:buNone/>
+            </a:pPr>
+            <a:r>
+              <a:rPr lang="en-US" altLang="zh-CN" sz="2400" b="1" dirty="0" err="1" smtClean="0">
+                <a:latin typeface="Courier New" pitchFamily="49" charset="0"/>
+                <a:cs typeface="Courier New" pitchFamily="49" charset="0"/>
+              </a:rPr>
+              <a:t>glFlush</a:t>
+            </a:r>
+            <a:r>
+              <a:rPr lang="en-US" altLang="zh-CN" sz="2400" b="1" dirty="0" smtClean="0">
+                <a:latin typeface="Courier New" pitchFamily="49" charset="0"/>
+                <a:cs typeface="Courier New" pitchFamily="49" charset="0"/>
+              </a:rPr>
+              <a:t>();</a:t>
+            </a:r>
+            <a:endParaRPr lang="zh-CN" altLang="en-US" sz="2400" b="1" dirty="0">
+              <a:latin typeface="Courier New" pitchFamily="49" charset="0"/>
+              <a:cs typeface="Courier New" pitchFamily="49" charset="0"/>
+            </a:endParaRPr>
+          </a:p>
+        </p:txBody>
+      </p:sp>
+    </p:spTree>
+  </p:cSld>
+  <p:clrMapOvr>
+    <a:masterClrMapping/>
+  </p:clrMapOvr>
+  <p:timing>
+    <p:tnLst>
+      <p:par>
+        <p:cTn id="1" dur="indefinite" restart="never" nodeType="tmRoot"/>
+      </p:par>
+    </p:tnLst>
+  </p:timing>
+</p:sld>
+</file>
+
+<file path=ppt/slides/slide12.xml><?xml version="1.0" encoding="utf-8"?>
+<p:sld xmlns:a="http://schemas.openxmlformats.org/drawingml/2006/main" xmlns:r="http://schemas.openxmlformats.org/officeDocument/2006/relationships" xmlns:p="http://schemas.openxmlformats.org/presentationml/2006/main">
+  <p:cSld>
+    <p:spTree>
+      <p:nvGrpSpPr>
+        <p:cNvPr id="1" name=""/>
+        <p:cNvGrpSpPr/>
+        <p:nvPr/>
+      </p:nvGrpSpPr>
+      <p:grpSpPr>
+        <a:xfrm>
+          <a:off x="0" y="0"/>
+          <a:ext cx="0" cy="0"/>
+          <a:chOff x="0" y="0"/>
+          <a:chExt cx="0" cy="0"/>
+        </a:xfrm>
+      </p:grpSpPr>
+      <p:sp>
+        <p:nvSpPr>
+          <p:cNvPr id="4" name="TextBox 3"/>
+          <p:cNvSpPr txBox="1"/>
+          <p:nvPr/>
+        </p:nvSpPr>
+        <p:spPr>
+          <a:xfrm>
+            <a:off x="3809612" y="2149311"/>
+            <a:ext cx="1524776" cy="461665"/>
+          </a:xfrm>
+          <a:prstGeom prst="rect">
+            <a:avLst/>
+          </a:prstGeom>
+          <a:noFill/>
+        </p:spPr>
+        <p:txBody>
+          <a:bodyPr wrap="none" rtlCol="0">
+            <a:spAutoFit/>
+          </a:bodyPr>
+          <a:lstStyle/>
+          <a:p>
+            <a:r>
+              <a:rPr lang="en-US" altLang="zh-CN" sz="2400" dirty="0" smtClean="0">
+                <a:latin typeface="DFGMaruGothic-SU" pitchFamily="50" charset="-128"/>
+                <a:ea typeface="DFGMaruGothic-SU" pitchFamily="50" charset="-128"/>
+              </a:rPr>
+              <a:t>Thanks</a:t>
+            </a:r>
+            <a:r>
+              <a:rPr lang="en-US" altLang="zh-CN" dirty="0" smtClean="0">
+                <a:latin typeface="DFGMaruGothic-SU" pitchFamily="50" charset="-128"/>
+                <a:ea typeface="DFGMaruGothic-SU" pitchFamily="50" charset="-128"/>
+              </a:rPr>
+              <a:t>!</a:t>
+            </a:r>
+            <a:endParaRPr lang="zh-CN" altLang="en-US" dirty="0">
+              <a:latin typeface="DFGMaruGothic-SU" pitchFamily="50" charset="-128"/>
+              <a:ea typeface="DFGMaruGothic-SU" pitchFamily="50" charset="-128"/>
+            </a:endParaRPr>
+          </a:p>
+        </p:txBody>
+      </p:sp>
+    </p:spTree>
+  </p:cSld>
+  <p:clrMapOvr>
+    <a:masterClrMapping/>
+  </p:clrMapOvr>
+  <p:timing>
+    <p:tnLst>
+      <p:par>
+        <p:cTn id="1" dur="indefinite" restart="never" nodeType="tmRoot"/>
+      </p:par>
+    </p:tnLst>
+  </p:timing>
 </p:sld>
 </file>
 
@@ -3198,8 +5071,15 @@
               <a:t>I.  </a:t>
             </a:r>
             <a:r>
+              <a:rPr lang="zh-CN" altLang="en-US" b="1" dirty="0" smtClean="0">
+                <a:latin typeface="Times New Roman" pitchFamily="18" charset="0"/>
+                <a:cs typeface="Times New Roman" pitchFamily="18" charset="0"/>
+              </a:rPr>
+              <a:t>追求你所热爱的</a:t>
+            </a:r>
+            <a:r>
               <a:rPr lang="en-US" altLang="zh-CN" b="1" dirty="0" smtClean="0"/>
-              <a:t>Follow your heart.</a:t>
+              <a:t>.</a:t>
             </a:r>
             <a:endParaRPr lang="zh-CN" altLang="en-US" b="1" dirty="0"/>
           </a:p>
@@ -3210,6 +5090,13 @@
   <p:clrMapOvr>
     <a:masterClrMapping/>
   </p:clrMapOvr>
+  <p:timing>
+    <p:tnLst>
+      <p:par>
+        <p:cTn id="1" dur="indefinite" restart="never" nodeType="tmRoot"/>
+      </p:par>
+    </p:tnLst>
+  </p:timing>
 </p:sld>
 </file>
 
@@ -3284,6 +5171,13 @@
   <p:clrMapOvr>
     <a:masterClrMapping/>
   </p:clrMapOvr>
+  <p:timing>
+    <p:tnLst>
+      <p:par>
+        <p:cTn id="1" dur="indefinite" restart="never" nodeType="tmRoot"/>
+      </p:par>
+    </p:tnLst>
+  </p:timing>
 </p:sld>
 </file>
 
@@ -3335,7 +5229,11 @@
             </a:r>
             <a:r>
               <a:rPr lang="zh-CN" altLang="en-US" sz="2400" b="1" dirty="0" smtClean="0"/>
-              <a:t>、显示设备的历史</a:t>
+              <a:t>、显示设备</a:t>
+            </a:r>
+            <a:r>
+              <a:rPr lang="zh-CN" altLang="en-US" sz="2400" b="1" dirty="0" smtClean="0"/>
+              <a:t>的历史</a:t>
             </a:r>
             <a:endParaRPr lang="en-US" altLang="zh-CN" sz="2400" b="1" dirty="0" smtClean="0"/>
           </a:p>
@@ -3345,23 +5243,7 @@
             </a:pPr>
             <a:r>
               <a:rPr lang="zh-CN" altLang="en-US" sz="2400" b="1" dirty="0" smtClean="0"/>
-              <a:t>①最原始的：具有</a:t>
-            </a:r>
-            <a:r>
-              <a:rPr lang="zh-CN" altLang="en-US" sz="2400" b="1" dirty="0" smtClean="0"/>
-              <a:t>两种容易区别的状态，而且</a:t>
-            </a:r>
-            <a:r>
-              <a:rPr lang="zh-CN" altLang="en-US" sz="2400" b="1" dirty="0" smtClean="0"/>
-              <a:t>容易切换状态的物体</a:t>
-            </a:r>
-            <a:r>
-              <a:rPr lang="zh-CN" altLang="en-US" sz="2400" b="1" dirty="0" smtClean="0"/>
-              <a:t>。如</a:t>
-            </a:r>
-            <a:r>
-              <a:rPr lang="zh-CN" altLang="en-US" sz="2400" b="1" dirty="0" smtClean="0"/>
-              <a:t>，纸带（配备打孔机），灯泡，发光二极管（后期）。</a:t>
+              <a:t>①最原始的：具有两种容易区别的状态，而且容易切换状态的物体。如，纸带（配备打孔机），灯泡，发光二极管（后期）。</a:t>
             </a:r>
             <a:endParaRPr lang="en-US" altLang="zh-CN" sz="2400" b="1" dirty="0" smtClean="0"/>
           </a:p>
@@ -3373,67 +5255,165 @@
           </a:p>
         </p:txBody>
       </p:sp>
-      <p:pic>
-        <p:nvPicPr>
-          <p:cNvPr id="1026" name="Picture 2" descr="C:\Documents and Settings\Administrator\桌面\20107122134074007.jpg"/>
-          <p:cNvPicPr>
-            <a:picLocks noChangeAspect="1" noChangeArrowheads="1"/>
-          </p:cNvPicPr>
+      <p:grpSp>
+        <p:nvGrpSpPr>
+          <p:cNvPr id="6" name="组合 5"/>
+          <p:cNvGrpSpPr/>
           <p:nvPr/>
-        </p:nvPicPr>
-        <p:blipFill>
-          <a:blip r:embed="rId2" cstate="print"/>
-          <a:srcRect l="34653" t="4041" r="6101" b="39443"/>
-          <a:stretch>
-            <a:fillRect/>
-          </a:stretch>
-        </p:blipFill>
-        <p:spPr bwMode="auto">
+        </p:nvGrpSpPr>
+        <p:grpSpPr>
           <a:xfrm>
             <a:off x="2564090" y="2205872"/>
-            <a:ext cx="3478491" cy="2488676"/>
+            <a:ext cx="3478491" cy="2938823"/>
+            <a:chOff x="2564090" y="2205872"/>
+            <a:chExt cx="3478491" cy="2938823"/>
           </a:xfrm>
-          <a:prstGeom prst="rect">
-            <a:avLst/>
-          </a:prstGeom>
-          <a:noFill/>
-        </p:spPr>
-      </p:pic>
-      <p:sp>
-        <p:nvSpPr>
-          <p:cNvPr id="5" name="TextBox 4"/>
-          <p:cNvSpPr txBox="1"/>
-          <p:nvPr/>
-        </p:nvSpPr>
-        <p:spPr>
-          <a:xfrm>
-            <a:off x="3327662" y="4883085"/>
-            <a:ext cx="1877437" cy="261610"/>
-          </a:xfrm>
-          <a:prstGeom prst="rect">
-            <a:avLst/>
-          </a:prstGeom>
-          <a:noFill/>
-        </p:spPr>
-        <p:txBody>
-          <a:bodyPr wrap="none" rtlCol="0">
-            <a:spAutoFit/>
-          </a:bodyPr>
-          <a:lstStyle/>
-          <a:p>
-            <a:r>
-              <a:rPr lang="zh-CN" altLang="en-US" sz="1100" b="1" dirty="0" smtClean="0"/>
-              <a:t>数字电路版上的发光二极管</a:t>
-            </a:r>
-            <a:endParaRPr lang="zh-CN" altLang="en-US" sz="1100" b="1" dirty="0"/>
-          </a:p>
-        </p:txBody>
-      </p:sp>
+        </p:grpSpPr>
+        <p:pic>
+          <p:nvPicPr>
+            <p:cNvPr id="1026" name="Picture 2" descr="C:\Documents and Settings\Administrator\桌面\20107122134074007.jpg"/>
+            <p:cNvPicPr>
+              <a:picLocks noChangeAspect="1" noChangeArrowheads="1"/>
+            </p:cNvPicPr>
+            <p:nvPr/>
+          </p:nvPicPr>
+          <p:blipFill>
+            <a:blip r:embed="rId2" cstate="print"/>
+            <a:srcRect l="34653" t="4041" r="6101" b="39443"/>
+            <a:stretch>
+              <a:fillRect/>
+            </a:stretch>
+          </p:blipFill>
+          <p:spPr bwMode="auto">
+            <a:xfrm>
+              <a:off x="2564090" y="2205872"/>
+              <a:ext cx="3478491" cy="2488676"/>
+            </a:xfrm>
+            <a:prstGeom prst="rect">
+              <a:avLst/>
+            </a:prstGeom>
+            <a:noFill/>
+          </p:spPr>
+        </p:pic>
+        <p:sp>
+          <p:nvSpPr>
+            <p:cNvPr id="5" name="TextBox 4"/>
+            <p:cNvSpPr txBox="1"/>
+            <p:nvPr/>
+          </p:nvSpPr>
+          <p:spPr>
+            <a:xfrm>
+              <a:off x="3327662" y="4883085"/>
+              <a:ext cx="1877437" cy="261610"/>
+            </a:xfrm>
+            <a:prstGeom prst="rect">
+              <a:avLst/>
+            </a:prstGeom>
+            <a:noFill/>
+          </p:spPr>
+          <p:txBody>
+            <a:bodyPr wrap="none" rtlCol="0">
+              <a:spAutoFit/>
+            </a:bodyPr>
+            <a:lstStyle/>
+            <a:p>
+              <a:r>
+                <a:rPr lang="zh-CN" altLang="en-US" sz="1100" b="1" dirty="0" smtClean="0"/>
+                <a:t>数字电路版上的发光二极管</a:t>
+              </a:r>
+              <a:endParaRPr lang="zh-CN" altLang="en-US" sz="1100" b="1" dirty="0"/>
+            </a:p>
+          </p:txBody>
+        </p:sp>
+      </p:grpSp>
     </p:spTree>
   </p:cSld>
   <p:clrMapOvr>
     <a:masterClrMapping/>
   </p:clrMapOvr>
+  <p:timing>
+    <p:tnLst>
+      <p:par>
+        <p:cTn id="1" dur="indefinite" restart="never" nodeType="tmRoot">
+          <p:childTnLst>
+            <p:seq concurrent="1" nextAc="seek">
+              <p:cTn id="2" dur="indefinite" nodeType="mainSeq">
+                <p:childTnLst>
+                  <p:par>
+                    <p:cTn id="3" fill="hold">
+                      <p:stCondLst>
+                        <p:cond delay="indefinite"/>
+                      </p:stCondLst>
+                      <p:childTnLst>
+                        <p:par>
+                          <p:cTn id="4" fill="hold">
+                            <p:stCondLst>
+                              <p:cond delay="0"/>
+                            </p:stCondLst>
+                            <p:childTnLst>
+                              <p:par>
+                                <p:cTn id="5" presetID="22" presetClass="entr" presetSubtype="4" fill="hold" nodeType="clickEffect">
+                                  <p:stCondLst>
+                                    <p:cond delay="0"/>
+                                  </p:stCondLst>
+                                  <p:childTnLst>
+                                    <p:set>
+                                      <p:cBhvr>
+                                        <p:cTn id="6" dur="1" fill="hold">
+                                          <p:stCondLst>
+                                            <p:cond delay="0"/>
+                                          </p:stCondLst>
+                                        </p:cTn>
+                                        <p:tgtEl>
+                                          <p:spTgt spid="6"/>
+                                        </p:tgtEl>
+                                        <p:attrNameLst>
+                                          <p:attrName>style.visibility</p:attrName>
+                                        </p:attrNameLst>
+                                      </p:cBhvr>
+                                      <p:to>
+                                        <p:strVal val="visible"/>
+                                      </p:to>
+                                    </p:set>
+                                    <p:animEffect transition="in" filter="wipe(down)">
+                                      <p:cBhvr>
+                                        <p:cTn id="7" dur="500"/>
+                                        <p:tgtEl>
+                                          <p:spTgt spid="6"/>
+                                        </p:tgtEl>
+                                      </p:cBhvr>
+                                    </p:animEffect>
+                                  </p:childTnLst>
+                                </p:cTn>
+                              </p:par>
+                            </p:childTnLst>
+                          </p:cTn>
+                        </p:par>
+                      </p:childTnLst>
+                    </p:cTn>
+                  </p:par>
+                </p:childTnLst>
+              </p:cTn>
+              <p:prevCondLst>
+                <p:cond evt="onPrev" delay="0">
+                  <p:tgtEl>
+                    <p:sldTgt/>
+                  </p:tgtEl>
+                </p:cond>
+              </p:prevCondLst>
+              <p:nextCondLst>
+                <p:cond evt="onNext" delay="0">
+                  <p:tgtEl>
+                    <p:sldTgt/>
+                  </p:tgtEl>
+                </p:cond>
+              </p:nextCondLst>
+            </p:seq>
+          </p:childTnLst>
+        </p:cTn>
+      </p:par>
+    </p:tnLst>
+  </p:timing>
 </p:sld>
 </file>
 
@@ -3481,17 +5461,61 @@
             </a:pPr>
             <a:r>
               <a:rPr lang="zh-CN" altLang="en-US" sz="2400" b="1" dirty="0" smtClean="0"/>
-              <a:t>②平面</a:t>
-            </a:r>
-            <a:r>
-              <a:rPr lang="zh-CN" altLang="en-US" sz="2400" b="1" dirty="0" smtClean="0"/>
-              <a:t>即时</a:t>
+              <a:t>②平面即时</a:t>
             </a:r>
             <a:r>
               <a:rPr lang="zh-CN" altLang="en-US" sz="2400" b="1" dirty="0" smtClean="0"/>
               <a:t>显示设备</a:t>
             </a:r>
             <a:endParaRPr lang="en-US" altLang="zh-CN" sz="2400" b="1" dirty="0" smtClean="0"/>
+          </a:p>
+          <a:p>
+            <a:pPr>
+              <a:buNone/>
+            </a:pPr>
+            <a:r>
+              <a:rPr lang="zh-CN" altLang="en-US" sz="2400" b="1" dirty="0" smtClean="0"/>
+              <a:t>视频控制器</a:t>
+            </a:r>
+            <a:endParaRPr lang="en-US" altLang="zh-CN" sz="2400" b="1" dirty="0" smtClean="0"/>
+          </a:p>
+          <a:p>
+            <a:pPr>
+              <a:buNone/>
+            </a:pPr>
+            <a:r>
+              <a:rPr lang="zh-CN" altLang="en-US" sz="2400" b="1" dirty="0" smtClean="0"/>
+              <a:t>显示处理单元</a:t>
+            </a:r>
+            <a:endParaRPr lang="en-US" altLang="zh-CN" sz="2400" b="1" dirty="0" smtClean="0"/>
+          </a:p>
+          <a:p>
+            <a:pPr lvl="1">
+              <a:buNone/>
+            </a:pPr>
+            <a:r>
+              <a:rPr lang="en-US" altLang="zh-CN" sz="2000" b="1" dirty="0" smtClean="0"/>
+              <a:t>MDA</a:t>
+            </a:r>
+          </a:p>
+          <a:p>
+            <a:pPr lvl="1">
+              <a:buNone/>
+            </a:pPr>
+            <a:r>
+              <a:rPr lang="en-US" altLang="zh-CN" sz="2000" b="1" dirty="0" smtClean="0"/>
+              <a:t>CGA</a:t>
+            </a:r>
+          </a:p>
+          <a:p>
+            <a:pPr lvl="1">
+              <a:buNone/>
+            </a:pPr>
+            <a:r>
+              <a:rPr lang="en-US" altLang="zh-CN" sz="2000" b="1" dirty="0" smtClean="0"/>
+              <a:t>VGA</a:t>
+            </a:r>
+            <a:endParaRPr lang="en-US" altLang="zh-CN" sz="2000" b="1" dirty="0" smtClean="0"/>
           </a:p>
           <a:p>
             <a:pPr>
@@ -3518,7 +5542,7 @@
         </p:blipFill>
         <p:spPr bwMode="auto">
           <a:xfrm>
-            <a:off x="5434585" y="1181966"/>
+            <a:off x="5189488" y="955722"/>
             <a:ext cx="2857500" cy="2771776"/>
           </a:xfrm>
           <a:prstGeom prst="rect">
@@ -3532,6 +5556,287 @@
   <p:clrMapOvr>
     <a:masterClrMapping/>
   </p:clrMapOvr>
+  <p:timing>
+    <p:tnLst>
+      <p:par>
+        <p:cTn id="1" dur="indefinite" restart="never" nodeType="tmRoot">
+          <p:childTnLst>
+            <p:seq concurrent="1" nextAc="seek">
+              <p:cTn id="2" dur="indefinite" nodeType="mainSeq">
+                <p:childTnLst>
+                  <p:par>
+                    <p:cTn id="3" fill="hold">
+                      <p:stCondLst>
+                        <p:cond delay="indefinite"/>
+                      </p:stCondLst>
+                      <p:childTnLst>
+                        <p:par>
+                          <p:cTn id="4" fill="hold">
+                            <p:stCondLst>
+                              <p:cond delay="0"/>
+                            </p:stCondLst>
+                            <p:childTnLst>
+                              <p:par>
+                                <p:cTn id="5" presetID="3" presetClass="entr" presetSubtype="10" fill="hold" nodeType="clickEffect">
+                                  <p:stCondLst>
+                                    <p:cond delay="0"/>
+                                  </p:stCondLst>
+                                  <p:childTnLst>
+                                    <p:set>
+                                      <p:cBhvr>
+                                        <p:cTn id="6" dur="1" fill="hold">
+                                          <p:stCondLst>
+                                            <p:cond delay="0"/>
+                                          </p:stCondLst>
+                                        </p:cTn>
+                                        <p:tgtEl>
+                                          <p:spTgt spid="3">
+                                            <p:txEl>
+                                              <p:pRg st="1" end="1"/>
+                                            </p:txEl>
+                                          </p:spTgt>
+                                        </p:tgtEl>
+                                        <p:attrNameLst>
+                                          <p:attrName>style.visibility</p:attrName>
+                                        </p:attrNameLst>
+                                      </p:cBhvr>
+                                      <p:to>
+                                        <p:strVal val="visible"/>
+                                      </p:to>
+                                    </p:set>
+                                    <p:animEffect transition="in" filter="blinds(horizontal)">
+                                      <p:cBhvr>
+                                        <p:cTn id="7" dur="500"/>
+                                        <p:tgtEl>
+                                          <p:spTgt spid="3">
+                                            <p:txEl>
+                                              <p:pRg st="1" end="1"/>
+                                            </p:txEl>
+                                          </p:spTgt>
+                                        </p:tgtEl>
+                                      </p:cBhvr>
+                                    </p:animEffect>
+                                  </p:childTnLst>
+                                </p:cTn>
+                              </p:par>
+                            </p:childTnLst>
+                          </p:cTn>
+                        </p:par>
+                      </p:childTnLst>
+                    </p:cTn>
+                  </p:par>
+                  <p:par>
+                    <p:cTn id="8" fill="hold">
+                      <p:stCondLst>
+                        <p:cond delay="indefinite"/>
+                      </p:stCondLst>
+                      <p:childTnLst>
+                        <p:par>
+                          <p:cTn id="9" fill="hold">
+                            <p:stCondLst>
+                              <p:cond delay="0"/>
+                            </p:stCondLst>
+                            <p:childTnLst>
+                              <p:par>
+                                <p:cTn id="10" presetID="3" presetClass="entr" presetSubtype="10" fill="hold" nodeType="clickEffect">
+                                  <p:stCondLst>
+                                    <p:cond delay="0"/>
+                                  </p:stCondLst>
+                                  <p:childTnLst>
+                                    <p:set>
+                                      <p:cBhvr>
+                                        <p:cTn id="11" dur="1" fill="hold">
+                                          <p:stCondLst>
+                                            <p:cond delay="0"/>
+                                          </p:stCondLst>
+                                        </p:cTn>
+                                        <p:tgtEl>
+                                          <p:spTgt spid="3">
+                                            <p:txEl>
+                                              <p:pRg st="2" end="2"/>
+                                            </p:txEl>
+                                          </p:spTgt>
+                                        </p:tgtEl>
+                                        <p:attrNameLst>
+                                          <p:attrName>style.visibility</p:attrName>
+                                        </p:attrNameLst>
+                                      </p:cBhvr>
+                                      <p:to>
+                                        <p:strVal val="visible"/>
+                                      </p:to>
+                                    </p:set>
+                                    <p:animEffect transition="in" filter="blinds(horizontal)">
+                                      <p:cBhvr>
+                                        <p:cTn id="12" dur="500"/>
+                                        <p:tgtEl>
+                                          <p:spTgt spid="3">
+                                            <p:txEl>
+                                              <p:pRg st="2" end="2"/>
+                                            </p:txEl>
+                                          </p:spTgt>
+                                        </p:tgtEl>
+                                      </p:cBhvr>
+                                    </p:animEffect>
+                                  </p:childTnLst>
+                                </p:cTn>
+                              </p:par>
+                              <p:par>
+                                <p:cTn id="13" presetID="3" presetClass="entr" presetSubtype="10" fill="hold" nodeType="withEffect">
+                                  <p:stCondLst>
+                                    <p:cond delay="0"/>
+                                  </p:stCondLst>
+                                  <p:childTnLst>
+                                    <p:set>
+                                      <p:cBhvr>
+                                        <p:cTn id="14" dur="1" fill="hold">
+                                          <p:stCondLst>
+                                            <p:cond delay="0"/>
+                                          </p:stCondLst>
+                                        </p:cTn>
+                                        <p:tgtEl>
+                                          <p:spTgt spid="3">
+                                            <p:txEl>
+                                              <p:pRg st="3" end="3"/>
+                                            </p:txEl>
+                                          </p:spTgt>
+                                        </p:tgtEl>
+                                        <p:attrNameLst>
+                                          <p:attrName>style.visibility</p:attrName>
+                                        </p:attrNameLst>
+                                      </p:cBhvr>
+                                      <p:to>
+                                        <p:strVal val="visible"/>
+                                      </p:to>
+                                    </p:set>
+                                    <p:animEffect transition="in" filter="blinds(horizontal)">
+                                      <p:cBhvr>
+                                        <p:cTn id="15" dur="500"/>
+                                        <p:tgtEl>
+                                          <p:spTgt spid="3">
+                                            <p:txEl>
+                                              <p:pRg st="3" end="3"/>
+                                            </p:txEl>
+                                          </p:spTgt>
+                                        </p:tgtEl>
+                                      </p:cBhvr>
+                                    </p:animEffect>
+                                  </p:childTnLst>
+                                </p:cTn>
+                              </p:par>
+                              <p:par>
+                                <p:cTn id="16" presetID="3" presetClass="entr" presetSubtype="10" fill="hold" nodeType="withEffect">
+                                  <p:stCondLst>
+                                    <p:cond delay="0"/>
+                                  </p:stCondLst>
+                                  <p:childTnLst>
+                                    <p:set>
+                                      <p:cBhvr>
+                                        <p:cTn id="17" dur="1" fill="hold">
+                                          <p:stCondLst>
+                                            <p:cond delay="0"/>
+                                          </p:stCondLst>
+                                        </p:cTn>
+                                        <p:tgtEl>
+                                          <p:spTgt spid="3">
+                                            <p:txEl>
+                                              <p:pRg st="4" end="4"/>
+                                            </p:txEl>
+                                          </p:spTgt>
+                                        </p:tgtEl>
+                                        <p:attrNameLst>
+                                          <p:attrName>style.visibility</p:attrName>
+                                        </p:attrNameLst>
+                                      </p:cBhvr>
+                                      <p:to>
+                                        <p:strVal val="visible"/>
+                                      </p:to>
+                                    </p:set>
+                                    <p:animEffect transition="in" filter="blinds(horizontal)">
+                                      <p:cBhvr>
+                                        <p:cTn id="18" dur="500"/>
+                                        <p:tgtEl>
+                                          <p:spTgt spid="3">
+                                            <p:txEl>
+                                              <p:pRg st="4" end="4"/>
+                                            </p:txEl>
+                                          </p:spTgt>
+                                        </p:tgtEl>
+                                      </p:cBhvr>
+                                    </p:animEffect>
+                                  </p:childTnLst>
+                                </p:cTn>
+                              </p:par>
+                              <p:par>
+                                <p:cTn id="19" presetID="3" presetClass="entr" presetSubtype="10" fill="hold" nodeType="withEffect">
+                                  <p:stCondLst>
+                                    <p:cond delay="0"/>
+                                  </p:stCondLst>
+                                  <p:childTnLst>
+                                    <p:set>
+                                      <p:cBhvr>
+                                        <p:cTn id="20" dur="1" fill="hold">
+                                          <p:stCondLst>
+                                            <p:cond delay="0"/>
+                                          </p:stCondLst>
+                                        </p:cTn>
+                                        <p:tgtEl>
+                                          <p:spTgt spid="3">
+                                            <p:txEl>
+                                              <p:pRg st="5" end="5"/>
+                                            </p:txEl>
+                                          </p:spTgt>
+                                        </p:tgtEl>
+                                        <p:attrNameLst>
+                                          <p:attrName>style.visibility</p:attrName>
+                                        </p:attrNameLst>
+                                      </p:cBhvr>
+                                      <p:to>
+                                        <p:strVal val="visible"/>
+                                      </p:to>
+                                    </p:set>
+                                    <p:animEffect transition="in" filter="blinds(horizontal)">
+                                      <p:cBhvr>
+                                        <p:cTn id="21" dur="500"/>
+                                        <p:tgtEl>
+                                          <p:spTgt spid="3">
+                                            <p:txEl>
+                                              <p:pRg st="5" end="5"/>
+                                            </p:txEl>
+                                          </p:spTgt>
+                                        </p:tgtEl>
+                                      </p:cBhvr>
+                                    </p:animEffect>
+                                  </p:childTnLst>
+                                </p:cTn>
+                              </p:par>
+                            </p:childTnLst>
+                          </p:cTn>
+                        </p:par>
+                      </p:childTnLst>
+                    </p:cTn>
+                  </p:par>
+                </p:childTnLst>
+              </p:cTn>
+              <p:prevCondLst>
+                <p:cond evt="onPrev" delay="0">
+                  <p:tgtEl>
+                    <p:sldTgt/>
+                  </p:tgtEl>
+                </p:cond>
+              </p:prevCondLst>
+              <p:nextCondLst>
+                <p:cond evt="onNext" delay="0">
+                  <p:tgtEl>
+                    <p:sldTgt/>
+                  </p:tgtEl>
+                </p:cond>
+              </p:nextCondLst>
+            </p:seq>
+          </p:childTnLst>
+        </p:cTn>
+      </p:par>
+    </p:tnLst>
+  </p:timing>
 </p:sld>
 </file>
 
@@ -3562,12 +5867,183 @@
             <p:ph idx="1"/>
           </p:nvPr>
         </p:nvSpPr>
-        <p:spPr/>
+        <p:spPr>
+          <a:xfrm>
+            <a:off x="447774" y="374716"/>
+            <a:ext cx="8229600" cy="4904294"/>
+          </a:xfrm>
+        </p:spPr>
         <p:txBody>
           <a:bodyPr/>
           <a:lstStyle/>
           <a:p>
-            <a:endParaRPr lang="zh-CN" altLang="en-US"/>
+            <a:pPr marL="0" lvl="0">
+              <a:buNone/>
+            </a:pPr>
+            <a:r>
+              <a:rPr lang="zh-CN" altLang="en-US" sz="2400" b="1" dirty="0" smtClean="0">
+                <a:solidFill>
+                  <a:prstClr val="black"/>
+                </a:solidFill>
+              </a:rPr>
+              <a:t>③</a:t>
+            </a:r>
+            <a:r>
+              <a:rPr lang="en-US" altLang="zh-CN" sz="2400" b="1" dirty="0" smtClean="0">
+                <a:solidFill>
+                  <a:prstClr val="black"/>
+                </a:solidFill>
+              </a:rPr>
+              <a:t>GPU</a:t>
+            </a:r>
+            <a:r>
+              <a:rPr lang="zh-CN" altLang="en-US" sz="2400" b="1" dirty="0" smtClean="0">
+                <a:solidFill>
+                  <a:prstClr val="black"/>
+                </a:solidFill>
+              </a:rPr>
+              <a:t>的诞生</a:t>
+            </a:r>
+            <a:endParaRPr lang="en-US" altLang="zh-CN" sz="2400" b="1" dirty="0" smtClean="0">
+              <a:solidFill>
+                <a:prstClr val="black"/>
+              </a:solidFill>
+            </a:endParaRPr>
+          </a:p>
+          <a:p>
+            <a:pPr marL="0" lvl="0">
+              <a:buNone/>
+            </a:pPr>
+            <a:endParaRPr lang="en-US" altLang="zh-CN" sz="2400" b="1" dirty="0" smtClean="0">
+              <a:solidFill>
+                <a:prstClr val="black"/>
+              </a:solidFill>
+            </a:endParaRPr>
+          </a:p>
+          <a:p>
+            <a:pPr marL="0" lvl="0">
+              <a:buNone/>
+            </a:pPr>
+            <a:r>
+              <a:rPr lang="zh-CN" altLang="en-US" sz="2400" b="1" dirty="0" smtClean="0">
+                <a:solidFill>
+                  <a:prstClr val="black"/>
+                </a:solidFill>
+              </a:rPr>
+              <a:t>显示</a:t>
+            </a:r>
+            <a:r>
+              <a:rPr lang="zh-CN" altLang="en-US" sz="2400" b="1" dirty="0" smtClean="0">
+                <a:solidFill>
+                  <a:prstClr val="black"/>
+                </a:solidFill>
+              </a:rPr>
+              <a:t>卡</a:t>
+            </a:r>
+            <a:r>
+              <a:rPr lang="en-US" altLang="zh-CN" sz="2400" b="1" dirty="0" smtClean="0">
+                <a:solidFill>
+                  <a:prstClr val="black"/>
+                </a:solidFill>
+              </a:rPr>
+              <a:t>(Display Card)</a:t>
+            </a:r>
+            <a:r>
+              <a:rPr lang="zh-CN" altLang="en-US" sz="2400" b="1" dirty="0" smtClean="0">
+                <a:solidFill>
+                  <a:prstClr val="black"/>
+                </a:solidFill>
+              </a:rPr>
+              <a:t>→图形卡</a:t>
+            </a:r>
+            <a:r>
+              <a:rPr lang="en-US" altLang="zh-CN" sz="2400" b="1" dirty="0" smtClean="0">
+                <a:solidFill>
+                  <a:prstClr val="black"/>
+                </a:solidFill>
+              </a:rPr>
+              <a:t>(Graphics Card)</a:t>
+            </a:r>
+            <a:r>
+              <a:rPr lang="zh-CN" altLang="en-US" sz="2400" b="1" dirty="0" smtClean="0">
+                <a:solidFill>
+                  <a:prstClr val="black"/>
+                </a:solidFill>
+              </a:rPr>
+              <a:t>→</a:t>
+            </a:r>
+            <a:r>
+              <a:rPr lang="en-US" altLang="zh-CN" sz="2400" b="1" dirty="0" smtClean="0">
+                <a:solidFill>
+                  <a:prstClr val="black"/>
+                </a:solidFill>
+              </a:rPr>
+              <a:t>GPU</a:t>
+            </a:r>
+          </a:p>
+          <a:p>
+            <a:pPr marL="0" lvl="0">
+              <a:buNone/>
+            </a:pPr>
+            <a:endParaRPr lang="en-US" altLang="zh-CN" sz="2400" b="1" dirty="0" smtClean="0">
+              <a:solidFill>
+                <a:prstClr val="black"/>
+              </a:solidFill>
+            </a:endParaRPr>
+          </a:p>
+          <a:p>
+            <a:pPr marL="0">
+              <a:buNone/>
+            </a:pPr>
+            <a:r>
+              <a:rPr lang="en-US" sz="2400" b="1" dirty="0" smtClean="0">
+                <a:solidFill>
+                  <a:srgbClr val="000000"/>
+                </a:solidFill>
+                <a:latin typeface="Arial"/>
+              </a:rPr>
+              <a:t>nVidia GeForce </a:t>
+            </a:r>
+            <a:r>
+              <a:rPr lang="en-US" sz="2400" b="1" dirty="0" smtClean="0">
+                <a:solidFill>
+                  <a:srgbClr val="000000"/>
+                </a:solidFill>
+                <a:latin typeface="Arial"/>
+              </a:rPr>
+              <a:t>256</a:t>
+            </a:r>
+            <a:endParaRPr lang="en-US" altLang="zh-CN" sz="2400" b="1" dirty="0" smtClean="0">
+              <a:solidFill>
+                <a:prstClr val="black"/>
+              </a:solidFill>
+            </a:endParaRPr>
+          </a:p>
+          <a:p>
+            <a:pPr>
+              <a:buNone/>
+            </a:pPr>
+            <a:r>
+              <a:rPr lang="en-US" altLang="zh-CN" sz="2400" b="1" dirty="0" smtClean="0"/>
+              <a:t> </a:t>
+            </a:r>
+            <a:r>
+              <a:rPr lang="zh-CN" altLang="en-US" sz="2400" b="1" dirty="0" smtClean="0"/>
+              <a:t>将</a:t>
+            </a:r>
+            <a:r>
+              <a:rPr lang="zh-CN" altLang="en-US" sz="2400" b="1" dirty="0" smtClean="0"/>
+              <a:t>多边形</a:t>
+            </a:r>
+            <a:r>
+              <a:rPr lang="zh-CN" altLang="en-US" sz="2400" b="1" dirty="0" smtClean="0"/>
+              <a:t>转换和</a:t>
+            </a:r>
+            <a:r>
+              <a:rPr lang="zh-CN" altLang="en-US" sz="2400" b="1" dirty="0" smtClean="0"/>
+              <a:t>光照处理整合到显示处理单元中</a:t>
+            </a:r>
+            <a:endParaRPr lang="zh-CN" altLang="en-US" sz="2400" b="1" dirty="0"/>
           </a:p>
         </p:txBody>
       </p:sp>
@@ -3576,6 +6052,201 @@
   <p:clrMapOvr>
     <a:masterClrMapping/>
   </p:clrMapOvr>
+  <p:timing>
+    <p:tnLst>
+      <p:par>
+        <p:cTn id="1" dur="indefinite" restart="never" nodeType="tmRoot">
+          <p:childTnLst>
+            <p:seq concurrent="1" nextAc="seek">
+              <p:cTn id="2" dur="indefinite" nodeType="mainSeq">
+                <p:childTnLst>
+                  <p:par>
+                    <p:cTn id="3" fill="hold">
+                      <p:stCondLst>
+                        <p:cond delay="indefinite"/>
+                      </p:stCondLst>
+                      <p:childTnLst>
+                        <p:par>
+                          <p:cTn id="4" fill="hold">
+                            <p:stCondLst>
+                              <p:cond delay="0"/>
+                            </p:stCondLst>
+                            <p:childTnLst>
+                              <p:par>
+                                <p:cTn id="5" presetID="3" presetClass="entr" presetSubtype="10" fill="hold" nodeType="clickEffect">
+                                  <p:stCondLst>
+                                    <p:cond delay="0"/>
+                                  </p:stCondLst>
+                                  <p:childTnLst>
+                                    <p:set>
+                                      <p:cBhvr>
+                                        <p:cTn id="6" dur="1" fill="hold">
+                                          <p:stCondLst>
+                                            <p:cond delay="0"/>
+                                          </p:stCondLst>
+                                        </p:cTn>
+                                        <p:tgtEl>
+                                          <p:spTgt spid="4">
+                                            <p:txEl>
+                                              <p:pRg st="2" end="2"/>
+                                            </p:txEl>
+                                          </p:spTgt>
+                                        </p:tgtEl>
+                                        <p:attrNameLst>
+                                          <p:attrName>style.visibility</p:attrName>
+                                        </p:attrNameLst>
+                                      </p:cBhvr>
+                                      <p:to>
+                                        <p:strVal val="visible"/>
+                                      </p:to>
+                                    </p:set>
+                                    <p:animEffect transition="in" filter="blinds(horizontal)">
+                                      <p:cBhvr>
+                                        <p:cTn id="7" dur="500"/>
+                                        <p:tgtEl>
+                                          <p:spTgt spid="4">
+                                            <p:txEl>
+                                              <p:pRg st="2" end="2"/>
+                                            </p:txEl>
+                                          </p:spTgt>
+                                        </p:tgtEl>
+                                      </p:cBhvr>
+                                    </p:animEffect>
+                                  </p:childTnLst>
+                                </p:cTn>
+                              </p:par>
+                            </p:childTnLst>
+                          </p:cTn>
+                        </p:par>
+                      </p:childTnLst>
+                    </p:cTn>
+                  </p:par>
+                  <p:par>
+                    <p:cTn id="8" fill="hold">
+                      <p:stCondLst>
+                        <p:cond delay="indefinite"/>
+                      </p:stCondLst>
+                      <p:childTnLst>
+                        <p:par>
+                          <p:cTn id="9" fill="hold">
+                            <p:stCondLst>
+                              <p:cond delay="0"/>
+                            </p:stCondLst>
+                            <p:childTnLst>
+                              <p:par>
+                                <p:cTn id="10" presetID="3" presetClass="entr" presetSubtype="10" fill="hold" nodeType="clickEffect">
+                                  <p:stCondLst>
+                                    <p:cond delay="0"/>
+                                  </p:stCondLst>
+                                  <p:childTnLst>
+                                    <p:set>
+                                      <p:cBhvr>
+                                        <p:cTn id="11" dur="1" fill="hold">
+                                          <p:stCondLst>
+                                            <p:cond delay="0"/>
+                                          </p:stCondLst>
+                                        </p:cTn>
+                                        <p:tgtEl>
+                                          <p:spTgt spid="4">
+                                            <p:txEl>
+                                              <p:pRg st="4" end="4"/>
+                                            </p:txEl>
+                                          </p:spTgt>
+                                        </p:tgtEl>
+                                        <p:attrNameLst>
+                                          <p:attrName>style.visibility</p:attrName>
+                                        </p:attrNameLst>
+                                      </p:cBhvr>
+                                      <p:to>
+                                        <p:strVal val="visible"/>
+                                      </p:to>
+                                    </p:set>
+                                    <p:animEffect transition="in" filter="blinds(horizontal)">
+                                      <p:cBhvr>
+                                        <p:cTn id="12" dur="500"/>
+                                        <p:tgtEl>
+                                          <p:spTgt spid="4">
+                                            <p:txEl>
+                                              <p:pRg st="4" end="4"/>
+                                            </p:txEl>
+                                          </p:spTgt>
+                                        </p:tgtEl>
+                                      </p:cBhvr>
+                                    </p:animEffect>
+                                  </p:childTnLst>
+                                </p:cTn>
+                              </p:par>
+                              <p:par>
+                                <p:cTn id="13" presetID="3" presetClass="entr" presetSubtype="10" fill="hold" nodeType="withEffect">
+                                  <p:stCondLst>
+                                    <p:cond delay="0"/>
+                                  </p:stCondLst>
+                                  <p:childTnLst>
+                                    <p:set>
+                                      <p:cBhvr>
+                                        <p:cTn id="14" dur="1" fill="hold">
+                                          <p:stCondLst>
+                                            <p:cond delay="0"/>
+                                          </p:stCondLst>
+                                        </p:cTn>
+                                        <p:tgtEl>
+                                          <p:spTgt spid="4">
+                                            <p:txEl>
+                                              <p:pRg st="5" end="5"/>
+                                            </p:txEl>
+                                          </p:spTgt>
+                                        </p:tgtEl>
+                                        <p:attrNameLst>
+                                          <p:attrName>style.visibility</p:attrName>
+                                        </p:attrNameLst>
+                                      </p:cBhvr>
+                                      <p:to>
+                                        <p:strVal val="visible"/>
+                                      </p:to>
+                                    </p:set>
+                                    <p:animEffect transition="in" filter="blinds(horizontal)">
+                                      <p:cBhvr>
+                                        <p:cTn id="15" dur="500"/>
+                                        <p:tgtEl>
+                                          <p:spTgt spid="4">
+                                            <p:txEl>
+                                              <p:pRg st="5" end="5"/>
+                                            </p:txEl>
+                                          </p:spTgt>
+                                        </p:tgtEl>
+                                      </p:cBhvr>
+                                    </p:animEffect>
+                                  </p:childTnLst>
+                                </p:cTn>
+                              </p:par>
+                            </p:childTnLst>
+                          </p:cTn>
+                        </p:par>
+                      </p:childTnLst>
+                    </p:cTn>
+                  </p:par>
+                </p:childTnLst>
+              </p:cTn>
+              <p:prevCondLst>
+                <p:cond evt="onPrev" delay="0">
+                  <p:tgtEl>
+                    <p:sldTgt/>
+                  </p:tgtEl>
+                </p:cond>
+              </p:prevCondLst>
+              <p:nextCondLst>
+                <p:cond evt="onNext" delay="0">
+                  <p:tgtEl>
+                    <p:sldTgt/>
+                  </p:tgtEl>
+                </p:cond>
+              </p:nextCondLst>
+            </p:seq>
+          </p:childTnLst>
+        </p:cTn>
+      </p:par>
+    </p:tnLst>
+  </p:timing>
 </p:sld>
 </file>
 
@@ -3608,6 +6279,957 @@
         </p:nvSpPr>
         <p:spPr>
           <a:xfrm>
+            <a:off x="466627" y="450130"/>
+            <a:ext cx="8229600" cy="4525963"/>
+          </a:xfrm>
+        </p:spPr>
+        <p:txBody>
+          <a:bodyPr>
+            <a:normAutofit/>
+          </a:bodyPr>
+          <a:lstStyle/>
+          <a:p>
+            <a:pPr>
+              <a:buNone/>
+            </a:pPr>
+            <a:r>
+              <a:rPr lang="en-US" altLang="zh-CN" sz="2400" b="1" dirty="0" smtClean="0"/>
+              <a:t>2</a:t>
+            </a:r>
+            <a:r>
+              <a:rPr lang="zh-CN" altLang="en-US" sz="2400" b="1" dirty="0" smtClean="0"/>
+              <a:t>、</a:t>
+            </a:r>
+            <a:r>
+              <a:rPr lang="zh-CN" altLang="en-US" sz="2400" b="1" dirty="0" smtClean="0"/>
+              <a:t>显卡编程</a:t>
+            </a:r>
+            <a:endParaRPr lang="en-US" altLang="zh-CN" sz="2400" b="1" dirty="0" smtClean="0"/>
+          </a:p>
+          <a:p>
+            <a:pPr>
+              <a:buNone/>
+            </a:pPr>
+            <a:r>
+              <a:rPr lang="zh-CN" altLang="en-US" sz="2400" b="1" dirty="0" smtClean="0"/>
+              <a:t>①软件与硬件之间的协议</a:t>
+            </a:r>
+            <a:r>
+              <a:rPr lang="en-US" altLang="zh-CN" sz="2400" b="1" dirty="0" smtClean="0"/>
+              <a:t>(API)</a:t>
+            </a:r>
+          </a:p>
+        </p:txBody>
+      </p:sp>
+      <p:sp>
+        <p:nvSpPr>
+          <p:cNvPr id="5" name="右大括号 4"/>
+          <p:cNvSpPr/>
+          <p:nvPr/>
+        </p:nvSpPr>
+        <p:spPr>
+          <a:xfrm>
+            <a:off x="4147794" y="2168166"/>
+            <a:ext cx="141402" cy="716437"/>
+          </a:xfrm>
+          <a:prstGeom prst="rightBrace">
+            <a:avLst/>
+          </a:prstGeom>
+          <a:ln w="38100"/>
+        </p:spPr>
+        <p:style>
+          <a:lnRef idx="1">
+            <a:schemeClr val="accent1"/>
+          </a:lnRef>
+          <a:fillRef idx="0">
+            <a:schemeClr val="accent1"/>
+          </a:fillRef>
+          <a:effectRef idx="0">
+            <a:schemeClr val="accent1"/>
+          </a:effectRef>
+          <a:fontRef idx="minor">
+            <a:schemeClr val="tx1"/>
+          </a:fontRef>
+        </p:style>
+        <p:txBody>
+          <a:bodyPr rtlCol="0" anchor="ctr"/>
+          <a:lstStyle/>
+          <a:p>
+            <a:pPr algn="ctr"/>
+            <a:endParaRPr lang="zh-CN" altLang="en-US"/>
+          </a:p>
+        </p:txBody>
+      </p:sp>
+      <p:sp>
+        <p:nvSpPr>
+          <p:cNvPr id="6" name="TextBox 5"/>
+          <p:cNvSpPr txBox="1"/>
+          <p:nvPr/>
+        </p:nvSpPr>
+        <p:spPr>
+          <a:xfrm>
+            <a:off x="4487159" y="2347274"/>
+            <a:ext cx="2068643" cy="369332"/>
+          </a:xfrm>
+          <a:prstGeom prst="rect">
+            <a:avLst/>
+          </a:prstGeom>
+          <a:noFill/>
+        </p:spPr>
+        <p:txBody>
+          <a:bodyPr wrap="none" rtlCol="0">
+            <a:spAutoFit/>
+          </a:bodyPr>
+          <a:lstStyle/>
+          <a:p>
+            <a:r>
+              <a:rPr lang="en-US" altLang="zh-CN" b="1" dirty="0" smtClean="0"/>
+              <a:t>Real time rendering</a:t>
+            </a:r>
+            <a:endParaRPr lang="zh-CN" altLang="en-US" b="1" dirty="0"/>
+          </a:p>
+        </p:txBody>
+      </p:sp>
+      <p:sp>
+        <p:nvSpPr>
+          <p:cNvPr id="7" name="TextBox 6"/>
+          <p:cNvSpPr txBox="1"/>
+          <p:nvPr/>
+        </p:nvSpPr>
+        <p:spPr>
+          <a:xfrm>
+            <a:off x="4553146" y="3487917"/>
+            <a:ext cx="1889300" cy="369332"/>
+          </a:xfrm>
+          <a:prstGeom prst="rect">
+            <a:avLst/>
+          </a:prstGeom>
+          <a:noFill/>
+        </p:spPr>
+        <p:txBody>
+          <a:bodyPr wrap="none" rtlCol="0">
+            <a:spAutoFit/>
+          </a:bodyPr>
+          <a:lstStyle/>
+          <a:p>
+            <a:r>
+              <a:rPr lang="en-US" altLang="zh-CN" b="1" dirty="0" smtClean="0"/>
+              <a:t>Off-line rendering</a:t>
+            </a:r>
+            <a:endParaRPr lang="zh-CN" altLang="en-US" b="1" dirty="0"/>
+          </a:p>
+        </p:txBody>
+      </p:sp>
+      <p:sp>
+        <p:nvSpPr>
+          <p:cNvPr id="8" name="矩形 7"/>
+          <p:cNvSpPr/>
+          <p:nvPr/>
+        </p:nvSpPr>
+        <p:spPr>
+          <a:xfrm>
+            <a:off x="2552637" y="1984778"/>
+            <a:ext cx="1273105" cy="461665"/>
+          </a:xfrm>
+          <a:prstGeom prst="rect">
+            <a:avLst/>
+          </a:prstGeom>
+        </p:spPr>
+        <p:txBody>
+          <a:bodyPr wrap="none">
+            <a:spAutoFit/>
+          </a:bodyPr>
+          <a:lstStyle/>
+          <a:p>
+            <a:pPr marL="342900" lvl="0" indent="-342900">
+              <a:spcBef>
+                <a:spcPct val="20000"/>
+              </a:spcBef>
+            </a:pPr>
+            <a:r>
+              <a:rPr lang="en-US" altLang="zh-CN" sz="2400" b="1" dirty="0" smtClean="0">
+                <a:solidFill>
+                  <a:prstClr val="black"/>
+                </a:solidFill>
+              </a:rPr>
+              <a:t>OpenGL </a:t>
+            </a:r>
+          </a:p>
+        </p:txBody>
+      </p:sp>
+      <p:sp>
+        <p:nvSpPr>
+          <p:cNvPr id="9" name="矩形 8"/>
+          <p:cNvSpPr/>
+          <p:nvPr/>
+        </p:nvSpPr>
+        <p:spPr>
+          <a:xfrm>
+            <a:off x="2548174" y="2578813"/>
+            <a:ext cx="1300099" cy="461665"/>
+          </a:xfrm>
+          <a:prstGeom prst="rect">
+            <a:avLst/>
+          </a:prstGeom>
+        </p:spPr>
+        <p:txBody>
+          <a:bodyPr wrap="none">
+            <a:spAutoFit/>
+          </a:bodyPr>
+          <a:lstStyle/>
+          <a:p>
+            <a:pPr marL="342900" lvl="0" indent="-342900">
+              <a:spcBef>
+                <a:spcPct val="20000"/>
+              </a:spcBef>
+            </a:pPr>
+            <a:r>
+              <a:rPr lang="en-US" altLang="zh-CN" sz="2400" b="1" dirty="0" smtClean="0">
+                <a:solidFill>
+                  <a:prstClr val="black"/>
+                </a:solidFill>
+              </a:rPr>
+              <a:t>Direct3D</a:t>
+            </a:r>
+          </a:p>
+        </p:txBody>
+      </p:sp>
+      <p:sp>
+        <p:nvSpPr>
+          <p:cNvPr id="10" name="矩形 9"/>
+          <p:cNvSpPr/>
+          <p:nvPr/>
+        </p:nvSpPr>
+        <p:spPr>
+          <a:xfrm>
+            <a:off x="2542430" y="3436423"/>
+            <a:ext cx="1690206" cy="461665"/>
+          </a:xfrm>
+          <a:prstGeom prst="rect">
+            <a:avLst/>
+          </a:prstGeom>
+        </p:spPr>
+        <p:txBody>
+          <a:bodyPr wrap="none">
+            <a:spAutoFit/>
+          </a:bodyPr>
+          <a:lstStyle/>
+          <a:p>
+            <a:pPr marL="342900" lvl="0" indent="-342900">
+              <a:spcBef>
+                <a:spcPct val="20000"/>
+              </a:spcBef>
+            </a:pPr>
+            <a:r>
+              <a:rPr lang="en-US" altLang="zh-CN" sz="2400" b="1" dirty="0" smtClean="0">
+                <a:solidFill>
+                  <a:prstClr val="black"/>
+                </a:solidFill>
+              </a:rPr>
+              <a:t>RenderMan</a:t>
+            </a:r>
+            <a:endParaRPr lang="zh-CN" altLang="en-US" sz="2400" b="1" dirty="0">
+              <a:solidFill>
+                <a:prstClr val="black"/>
+              </a:solidFill>
+            </a:endParaRPr>
+          </a:p>
+        </p:txBody>
+      </p:sp>
+    </p:spTree>
+  </p:cSld>
+  <p:clrMapOvr>
+    <a:masterClrMapping/>
+  </p:clrMapOvr>
+  <p:timing>
+    <p:tnLst>
+      <p:par>
+        <p:cTn id="1" dur="indefinite" restart="never" nodeType="tmRoot">
+          <p:childTnLst>
+            <p:seq concurrent="1" nextAc="seek">
+              <p:cTn id="2" dur="indefinite" nodeType="mainSeq">
+                <p:childTnLst>
+                  <p:par>
+                    <p:cTn id="3" fill="hold">
+                      <p:stCondLst>
+                        <p:cond delay="indefinite"/>
+                      </p:stCondLst>
+                      <p:childTnLst>
+                        <p:par>
+                          <p:cTn id="4" fill="hold">
+                            <p:stCondLst>
+                              <p:cond delay="0"/>
+                            </p:stCondLst>
+                            <p:childTnLst>
+                              <p:par>
+                                <p:cTn id="5" presetID="4" presetClass="entr" presetSubtype="16" fill="hold" grpId="0" nodeType="clickEffect">
+                                  <p:stCondLst>
+                                    <p:cond delay="0"/>
+                                  </p:stCondLst>
+                                  <p:childTnLst>
+                                    <p:set>
+                                      <p:cBhvr>
+                                        <p:cTn id="6" dur="1" fill="hold">
+                                          <p:stCondLst>
+                                            <p:cond delay="0"/>
+                                          </p:stCondLst>
+                                        </p:cTn>
+                                        <p:tgtEl>
+                                          <p:spTgt spid="8"/>
+                                        </p:tgtEl>
+                                        <p:attrNameLst>
+                                          <p:attrName>style.visibility</p:attrName>
+                                        </p:attrNameLst>
+                                      </p:cBhvr>
+                                      <p:to>
+                                        <p:strVal val="visible"/>
+                                      </p:to>
+                                    </p:set>
+                                    <p:animEffect transition="in" filter="box(in)">
+                                      <p:cBhvr>
+                                        <p:cTn id="7" dur="500"/>
+                                        <p:tgtEl>
+                                          <p:spTgt spid="8"/>
+                                        </p:tgtEl>
+                                      </p:cBhvr>
+                                    </p:animEffect>
+                                  </p:childTnLst>
+                                </p:cTn>
+                              </p:par>
+                            </p:childTnLst>
+                          </p:cTn>
+                        </p:par>
+                      </p:childTnLst>
+                    </p:cTn>
+                  </p:par>
+                  <p:par>
+                    <p:cTn id="8" fill="hold">
+                      <p:stCondLst>
+                        <p:cond delay="indefinite"/>
+                      </p:stCondLst>
+                      <p:childTnLst>
+                        <p:par>
+                          <p:cTn id="9" fill="hold">
+                            <p:stCondLst>
+                              <p:cond delay="0"/>
+                            </p:stCondLst>
+                            <p:childTnLst>
+                              <p:par>
+                                <p:cTn id="10" presetID="4" presetClass="entr" presetSubtype="16" fill="hold" grpId="0" nodeType="clickEffect">
+                                  <p:stCondLst>
+                                    <p:cond delay="0"/>
+                                  </p:stCondLst>
+                                  <p:childTnLst>
+                                    <p:set>
+                                      <p:cBhvr>
+                                        <p:cTn id="11" dur="1" fill="hold">
+                                          <p:stCondLst>
+                                            <p:cond delay="0"/>
+                                          </p:stCondLst>
+                                        </p:cTn>
+                                        <p:tgtEl>
+                                          <p:spTgt spid="9"/>
+                                        </p:tgtEl>
+                                        <p:attrNameLst>
+                                          <p:attrName>style.visibility</p:attrName>
+                                        </p:attrNameLst>
+                                      </p:cBhvr>
+                                      <p:to>
+                                        <p:strVal val="visible"/>
+                                      </p:to>
+                                    </p:set>
+                                    <p:animEffect transition="in" filter="box(in)">
+                                      <p:cBhvr>
+                                        <p:cTn id="12" dur="500"/>
+                                        <p:tgtEl>
+                                          <p:spTgt spid="9"/>
+                                        </p:tgtEl>
+                                      </p:cBhvr>
+                                    </p:animEffect>
+                                  </p:childTnLst>
+                                </p:cTn>
+                              </p:par>
+                            </p:childTnLst>
+                          </p:cTn>
+                        </p:par>
+                      </p:childTnLst>
+                    </p:cTn>
+                  </p:par>
+                  <p:par>
+                    <p:cTn id="13" fill="hold">
+                      <p:stCondLst>
+                        <p:cond delay="indefinite"/>
+                      </p:stCondLst>
+                      <p:childTnLst>
+                        <p:par>
+                          <p:cTn id="14" fill="hold">
+                            <p:stCondLst>
+                              <p:cond delay="0"/>
+                            </p:stCondLst>
+                            <p:childTnLst>
+                              <p:par>
+                                <p:cTn id="15" presetID="4" presetClass="entr" presetSubtype="16" fill="hold" grpId="0" nodeType="clickEffect">
+                                  <p:stCondLst>
+                                    <p:cond delay="0"/>
+                                  </p:stCondLst>
+                                  <p:childTnLst>
+                                    <p:set>
+                                      <p:cBhvr>
+                                        <p:cTn id="16" dur="1" fill="hold">
+                                          <p:stCondLst>
+                                            <p:cond delay="0"/>
+                                          </p:stCondLst>
+                                        </p:cTn>
+                                        <p:tgtEl>
+                                          <p:spTgt spid="10"/>
+                                        </p:tgtEl>
+                                        <p:attrNameLst>
+                                          <p:attrName>style.visibility</p:attrName>
+                                        </p:attrNameLst>
+                                      </p:cBhvr>
+                                      <p:to>
+                                        <p:strVal val="visible"/>
+                                      </p:to>
+                                    </p:set>
+                                    <p:animEffect transition="in" filter="box(in)">
+                                      <p:cBhvr>
+                                        <p:cTn id="17" dur="500"/>
+                                        <p:tgtEl>
+                                          <p:spTgt spid="10"/>
+                                        </p:tgtEl>
+                                      </p:cBhvr>
+                                    </p:animEffect>
+                                  </p:childTnLst>
+                                </p:cTn>
+                              </p:par>
+                            </p:childTnLst>
+                          </p:cTn>
+                        </p:par>
+                      </p:childTnLst>
+                    </p:cTn>
+                  </p:par>
+                  <p:par>
+                    <p:cTn id="18" fill="hold">
+                      <p:stCondLst>
+                        <p:cond delay="indefinite"/>
+                      </p:stCondLst>
+                      <p:childTnLst>
+                        <p:par>
+                          <p:cTn id="19" fill="hold">
+                            <p:stCondLst>
+                              <p:cond delay="0"/>
+                            </p:stCondLst>
+                            <p:childTnLst>
+                              <p:par>
+                                <p:cTn id="20" presetID="3" presetClass="entr" presetSubtype="10" fill="hold" grpId="1" nodeType="clickEffect">
+                                  <p:stCondLst>
+                                    <p:cond delay="0"/>
+                                  </p:stCondLst>
+                                  <p:childTnLst>
+                                    <p:set>
+                                      <p:cBhvr>
+                                        <p:cTn id="21" dur="1" fill="hold">
+                                          <p:stCondLst>
+                                            <p:cond delay="0"/>
+                                          </p:stCondLst>
+                                        </p:cTn>
+                                        <p:tgtEl>
+                                          <p:spTgt spid="5"/>
+                                        </p:tgtEl>
+                                        <p:attrNameLst>
+                                          <p:attrName>style.visibility</p:attrName>
+                                        </p:attrNameLst>
+                                      </p:cBhvr>
+                                      <p:to>
+                                        <p:strVal val="visible"/>
+                                      </p:to>
+                                    </p:set>
+                                    <p:animEffect transition="in" filter="blinds(horizontal)">
+                                      <p:cBhvr>
+                                        <p:cTn id="22" dur="500"/>
+                                        <p:tgtEl>
+                                          <p:spTgt spid="5"/>
+                                        </p:tgtEl>
+                                      </p:cBhvr>
+                                    </p:animEffect>
+                                  </p:childTnLst>
+                                </p:cTn>
+                              </p:par>
+                              <p:par>
+                                <p:cTn id="23" presetID="3" presetClass="entr" presetSubtype="10" fill="hold" grpId="1" nodeType="withEffect">
+                                  <p:stCondLst>
+                                    <p:cond delay="0"/>
+                                  </p:stCondLst>
+                                  <p:childTnLst>
+                                    <p:set>
+                                      <p:cBhvr>
+                                        <p:cTn id="24" dur="1" fill="hold">
+                                          <p:stCondLst>
+                                            <p:cond delay="0"/>
+                                          </p:stCondLst>
+                                        </p:cTn>
+                                        <p:tgtEl>
+                                          <p:spTgt spid="6"/>
+                                        </p:tgtEl>
+                                        <p:attrNameLst>
+                                          <p:attrName>style.visibility</p:attrName>
+                                        </p:attrNameLst>
+                                      </p:cBhvr>
+                                      <p:to>
+                                        <p:strVal val="visible"/>
+                                      </p:to>
+                                    </p:set>
+                                    <p:animEffect transition="in" filter="blinds(horizontal)">
+                                      <p:cBhvr>
+                                        <p:cTn id="25" dur="500"/>
+                                        <p:tgtEl>
+                                          <p:spTgt spid="6"/>
+                                        </p:tgtEl>
+                                      </p:cBhvr>
+                                    </p:animEffect>
+                                  </p:childTnLst>
+                                </p:cTn>
+                              </p:par>
+                            </p:childTnLst>
+                          </p:cTn>
+                        </p:par>
+                      </p:childTnLst>
+                    </p:cTn>
+                  </p:par>
+                  <p:par>
+                    <p:cTn id="26" fill="hold">
+                      <p:stCondLst>
+                        <p:cond delay="indefinite"/>
+                      </p:stCondLst>
+                      <p:childTnLst>
+                        <p:par>
+                          <p:cTn id="27" fill="hold">
+                            <p:stCondLst>
+                              <p:cond delay="0"/>
+                            </p:stCondLst>
+                            <p:childTnLst>
+                              <p:par>
+                                <p:cTn id="28" presetID="3" presetClass="entr" presetSubtype="10" fill="hold" grpId="0" nodeType="clickEffect">
+                                  <p:stCondLst>
+                                    <p:cond delay="0"/>
+                                  </p:stCondLst>
+                                  <p:childTnLst>
+                                    <p:set>
+                                      <p:cBhvr>
+                                        <p:cTn id="29" dur="1" fill="hold">
+                                          <p:stCondLst>
+                                            <p:cond delay="0"/>
+                                          </p:stCondLst>
+                                        </p:cTn>
+                                        <p:tgtEl>
+                                          <p:spTgt spid="7"/>
+                                        </p:tgtEl>
+                                        <p:attrNameLst>
+                                          <p:attrName>style.visibility</p:attrName>
+                                        </p:attrNameLst>
+                                      </p:cBhvr>
+                                      <p:to>
+                                        <p:strVal val="visible"/>
+                                      </p:to>
+                                    </p:set>
+                                    <p:animEffect transition="in" filter="blinds(horizontal)">
+                                      <p:cBhvr>
+                                        <p:cTn id="30" dur="500"/>
+                                        <p:tgtEl>
+                                          <p:spTgt spid="7"/>
+                                        </p:tgtEl>
+                                      </p:cBhvr>
+                                    </p:animEffect>
+                                  </p:childTnLst>
+                                </p:cTn>
+                              </p:par>
+                            </p:childTnLst>
+                          </p:cTn>
+                        </p:par>
+                      </p:childTnLst>
+                    </p:cTn>
+                  </p:par>
+                </p:childTnLst>
+              </p:cTn>
+              <p:prevCondLst>
+                <p:cond evt="onPrev" delay="0">
+                  <p:tgtEl>
+                    <p:sldTgt/>
+                  </p:tgtEl>
+                </p:cond>
+              </p:prevCondLst>
+              <p:nextCondLst>
+                <p:cond evt="onNext" delay="0">
+                  <p:tgtEl>
+                    <p:sldTgt/>
+                  </p:tgtEl>
+                </p:cond>
+              </p:nextCondLst>
+            </p:seq>
+          </p:childTnLst>
+        </p:cTn>
+      </p:par>
+    </p:tnLst>
+    <p:bldLst>
+      <p:bldP spid="5" grpId="1" animBg="1"/>
+      <p:bldP spid="6" grpId="1"/>
+      <p:bldP spid="7" grpId="0"/>
+      <p:bldP spid="8" grpId="0"/>
+      <p:bldP spid="9" grpId="0"/>
+      <p:bldP spid="10" grpId="0"/>
+    </p:bldLst>
+  </p:timing>
+</p:sld>
+</file>
+
+<file path=ppt/slides/slide8.xml><?xml version="1.0" encoding="utf-8"?>
+<p:sld xmlns:a="http://schemas.openxmlformats.org/drawingml/2006/main" xmlns:r="http://schemas.openxmlformats.org/officeDocument/2006/relationships" xmlns:p="http://schemas.openxmlformats.org/presentationml/2006/main">
+  <p:cSld>
+    <p:spTree>
+      <p:nvGrpSpPr>
+        <p:cNvPr id="1" name=""/>
+        <p:cNvGrpSpPr/>
+        <p:nvPr/>
+      </p:nvGrpSpPr>
+      <p:grpSpPr>
+        <a:xfrm>
+          <a:off x="0" y="0"/>
+          <a:ext cx="0" cy="0"/>
+          <a:chOff x="0" y="0"/>
+          <a:chExt cx="0" cy="0"/>
+        </a:xfrm>
+      </p:grpSpPr>
+      <p:sp>
+        <p:nvSpPr>
+          <p:cNvPr id="3" name="内容占位符 2"/>
+          <p:cNvSpPr>
+            <a:spLocks noGrp="1"/>
+          </p:cNvSpPr>
+          <p:nvPr>
+            <p:ph idx="1"/>
+          </p:nvPr>
+        </p:nvSpPr>
+        <p:spPr>
+          <a:xfrm>
+            <a:off x="447773" y="534971"/>
+            <a:ext cx="8229600" cy="4525963"/>
+          </a:xfrm>
+        </p:spPr>
+        <p:txBody>
+          <a:bodyPr>
+            <a:normAutofit/>
+          </a:bodyPr>
+          <a:lstStyle/>
+          <a:p>
+            <a:pPr>
+              <a:buNone/>
+            </a:pPr>
+            <a:r>
+              <a:rPr lang="zh-CN" altLang="en-US" sz="2400" b="1" dirty="0" smtClean="0"/>
+              <a:t>②两种渲染方式</a:t>
+            </a:r>
+            <a:endParaRPr lang="en-US" altLang="zh-CN" sz="2400" b="1" dirty="0" smtClean="0"/>
+          </a:p>
+          <a:p>
+            <a:pPr>
+              <a:buNone/>
+            </a:pPr>
+            <a:r>
+              <a:rPr lang="en-US" altLang="zh-CN" sz="2400" b="1" dirty="0" smtClean="0"/>
+              <a:t>a. Fixed Function Pipeline   </a:t>
+            </a:r>
+            <a:r>
+              <a:rPr lang="zh-CN" altLang="en-US" sz="2400" b="1" dirty="0" smtClean="0"/>
+              <a:t>固定功能管线  </a:t>
+            </a:r>
+            <a:r>
+              <a:rPr lang="en-US" altLang="zh-CN" sz="2400" b="1" dirty="0" smtClean="0"/>
+              <a:t> </a:t>
+            </a:r>
+            <a:r>
+              <a:rPr lang="en-US" altLang="zh-CN" sz="2400" b="1" dirty="0" smtClean="0"/>
+              <a:t> </a:t>
+            </a:r>
+            <a:r>
+              <a:rPr lang="zh-CN" altLang="en-US" sz="2400" b="1" dirty="0" smtClean="0"/>
+              <a:t>显卡“编程”</a:t>
+            </a:r>
+            <a:endParaRPr lang="en-US" altLang="zh-CN" sz="2400" b="1" dirty="0" smtClean="0"/>
+          </a:p>
+          <a:p>
+            <a:pPr>
+              <a:buNone/>
+            </a:pPr>
+            <a:r>
+              <a:rPr lang="en-US" altLang="zh-CN" sz="2400" b="1" dirty="0" smtClean="0"/>
+              <a:t>b. Programmable Pipeline </a:t>
+            </a:r>
+            <a:r>
+              <a:rPr lang="zh-CN" altLang="en-US" sz="2400" b="1" dirty="0" smtClean="0"/>
+              <a:t>可编程管线</a:t>
+            </a:r>
+            <a:endParaRPr lang="en-US" altLang="zh-CN" sz="2400" b="1" dirty="0" smtClean="0"/>
+          </a:p>
+          <a:p>
+            <a:pPr>
+              <a:buNone/>
+            </a:pPr>
+            <a:r>
+              <a:rPr lang="en-US" altLang="zh-CN" sz="2400" b="1" dirty="0" smtClean="0"/>
+              <a:t>(OpenGL 3.0</a:t>
+            </a:r>
+            <a:r>
+              <a:rPr lang="zh-CN" altLang="en-US" sz="2400" b="1" dirty="0" smtClean="0"/>
+              <a:t>以上，</a:t>
+            </a:r>
+            <a:r>
+              <a:rPr lang="en-US" altLang="zh-CN" sz="2400" b="1" dirty="0" smtClean="0"/>
+              <a:t>D3D9</a:t>
+            </a:r>
+            <a:r>
+              <a:rPr lang="zh-CN" altLang="en-US" sz="2400" b="1" dirty="0" smtClean="0"/>
+              <a:t>以上</a:t>
+            </a:r>
+            <a:r>
+              <a:rPr lang="en-US" altLang="zh-CN" sz="2400" b="1" dirty="0" smtClean="0"/>
+              <a:t>)</a:t>
+            </a:r>
+            <a:endParaRPr lang="zh-CN" altLang="en-US" sz="2400" b="1" dirty="0"/>
+          </a:p>
+        </p:txBody>
+      </p:sp>
+    </p:spTree>
+  </p:cSld>
+  <p:clrMapOvr>
+    <a:masterClrMapping/>
+  </p:clrMapOvr>
+  <p:timing>
+    <p:tnLst>
+      <p:par>
+        <p:cTn id="1" dur="indefinite" restart="never" nodeType="tmRoot">
+          <p:childTnLst>
+            <p:seq concurrent="1" nextAc="seek">
+              <p:cTn id="2" dur="indefinite" nodeType="mainSeq">
+                <p:childTnLst>
+                  <p:par>
+                    <p:cTn id="3" fill="hold">
+                      <p:stCondLst>
+                        <p:cond delay="indefinite"/>
+                      </p:stCondLst>
+                      <p:childTnLst>
+                        <p:par>
+                          <p:cTn id="4" fill="hold">
+                            <p:stCondLst>
+                              <p:cond delay="0"/>
+                            </p:stCondLst>
+                            <p:childTnLst>
+                              <p:par>
+                                <p:cTn id="5" presetID="3" presetClass="entr" presetSubtype="10" fill="hold" nodeType="clickEffect">
+                                  <p:stCondLst>
+                                    <p:cond delay="0"/>
+                                  </p:stCondLst>
+                                  <p:childTnLst>
+                                    <p:set>
+                                      <p:cBhvr>
+                                        <p:cTn id="6" dur="1" fill="hold">
+                                          <p:stCondLst>
+                                            <p:cond delay="0"/>
+                                          </p:stCondLst>
+                                        </p:cTn>
+                                        <p:tgtEl>
+                                          <p:spTgt spid="3">
+                                            <p:txEl>
+                                              <p:pRg st="1" end="1"/>
+                                            </p:txEl>
+                                          </p:spTgt>
+                                        </p:tgtEl>
+                                        <p:attrNameLst>
+                                          <p:attrName>style.visibility</p:attrName>
+                                        </p:attrNameLst>
+                                      </p:cBhvr>
+                                      <p:to>
+                                        <p:strVal val="visible"/>
+                                      </p:to>
+                                    </p:set>
+                                    <p:animEffect transition="in" filter="blinds(horizontal)">
+                                      <p:cBhvr>
+                                        <p:cTn id="7" dur="500"/>
+                                        <p:tgtEl>
+                                          <p:spTgt spid="3">
+                                            <p:txEl>
+                                              <p:pRg st="1" end="1"/>
+                                            </p:txEl>
+                                          </p:spTgt>
+                                        </p:tgtEl>
+                                      </p:cBhvr>
+                                    </p:animEffect>
+                                  </p:childTnLst>
+                                </p:cTn>
+                              </p:par>
+                            </p:childTnLst>
+                          </p:cTn>
+                        </p:par>
+                      </p:childTnLst>
+                    </p:cTn>
+                  </p:par>
+                  <p:par>
+                    <p:cTn id="8" fill="hold">
+                      <p:stCondLst>
+                        <p:cond delay="indefinite"/>
+                      </p:stCondLst>
+                      <p:childTnLst>
+                        <p:par>
+                          <p:cTn id="9" fill="hold">
+                            <p:stCondLst>
+                              <p:cond delay="0"/>
+                            </p:stCondLst>
+                            <p:childTnLst>
+                              <p:par>
+                                <p:cTn id="10" presetID="3" presetClass="entr" presetSubtype="10" fill="hold" nodeType="clickEffect">
+                                  <p:stCondLst>
+                                    <p:cond delay="0"/>
+                                  </p:stCondLst>
+                                  <p:childTnLst>
+                                    <p:set>
+                                      <p:cBhvr>
+                                        <p:cTn id="11" dur="1" fill="hold">
+                                          <p:stCondLst>
+                                            <p:cond delay="0"/>
+                                          </p:stCondLst>
+                                        </p:cTn>
+                                        <p:tgtEl>
+                                          <p:spTgt spid="3">
+                                            <p:txEl>
+                                              <p:pRg st="2" end="2"/>
+                                            </p:txEl>
+                                          </p:spTgt>
+                                        </p:tgtEl>
+                                        <p:attrNameLst>
+                                          <p:attrName>style.visibility</p:attrName>
+                                        </p:attrNameLst>
+                                      </p:cBhvr>
+                                      <p:to>
+                                        <p:strVal val="visible"/>
+                                      </p:to>
+                                    </p:set>
+                                    <p:animEffect transition="in" filter="blinds(horizontal)">
+                                      <p:cBhvr>
+                                        <p:cTn id="12" dur="500"/>
+                                        <p:tgtEl>
+                                          <p:spTgt spid="3">
+                                            <p:txEl>
+                                              <p:pRg st="2" end="2"/>
+                                            </p:txEl>
+                                          </p:spTgt>
+                                        </p:tgtEl>
+                                      </p:cBhvr>
+                                    </p:animEffect>
+                                  </p:childTnLst>
+                                </p:cTn>
+                              </p:par>
+                              <p:par>
+                                <p:cTn id="13" presetID="3" presetClass="entr" presetSubtype="10" fill="hold" nodeType="withEffect">
+                                  <p:stCondLst>
+                                    <p:cond delay="0"/>
+                                  </p:stCondLst>
+                                  <p:childTnLst>
+                                    <p:set>
+                                      <p:cBhvr>
+                                        <p:cTn id="14" dur="1" fill="hold">
+                                          <p:stCondLst>
+                                            <p:cond delay="0"/>
+                                          </p:stCondLst>
+                                        </p:cTn>
+                                        <p:tgtEl>
+                                          <p:spTgt spid="3">
+                                            <p:txEl>
+                                              <p:pRg st="3" end="3"/>
+                                            </p:txEl>
+                                          </p:spTgt>
+                                        </p:tgtEl>
+                                        <p:attrNameLst>
+                                          <p:attrName>style.visibility</p:attrName>
+                                        </p:attrNameLst>
+                                      </p:cBhvr>
+                                      <p:to>
+                                        <p:strVal val="visible"/>
+                                      </p:to>
+                                    </p:set>
+                                    <p:animEffect transition="in" filter="blinds(horizontal)">
+                                      <p:cBhvr>
+                                        <p:cTn id="15" dur="500"/>
+                                        <p:tgtEl>
+                                          <p:spTgt spid="3">
+                                            <p:txEl>
+                                              <p:pRg st="3" end="3"/>
+                                            </p:txEl>
+                                          </p:spTgt>
+                                        </p:tgtEl>
+                                      </p:cBhvr>
+                                    </p:animEffect>
+                                  </p:childTnLst>
+                                </p:cTn>
+                              </p:par>
+                            </p:childTnLst>
+                          </p:cTn>
+                        </p:par>
+                      </p:childTnLst>
+                    </p:cTn>
+                  </p:par>
+                </p:childTnLst>
+              </p:cTn>
+              <p:prevCondLst>
+                <p:cond evt="onPrev" delay="0">
+                  <p:tgtEl>
+                    <p:sldTgt/>
+                  </p:tgtEl>
+                </p:cond>
+              </p:prevCondLst>
+              <p:nextCondLst>
+                <p:cond evt="onNext" delay="0">
+                  <p:tgtEl>
+                    <p:sldTgt/>
+                  </p:tgtEl>
+                </p:cond>
+              </p:nextCondLst>
+            </p:seq>
+          </p:childTnLst>
+        </p:cTn>
+      </p:par>
+    </p:tnLst>
+  </p:timing>
+</p:sld>
+</file>
+
+<file path=ppt/slides/slide9.xml><?xml version="1.0" encoding="utf-8"?>
+<p:sld xmlns:a="http://schemas.openxmlformats.org/drawingml/2006/main" xmlns:r="http://schemas.openxmlformats.org/officeDocument/2006/relationships" xmlns:p="http://schemas.openxmlformats.org/presentationml/2006/main">
+  <p:cSld>
+    <p:spTree>
+      <p:nvGrpSpPr>
+        <p:cNvPr id="1" name=""/>
+        <p:cNvGrpSpPr/>
+        <p:nvPr/>
+      </p:nvGrpSpPr>
+      <p:grpSpPr>
+        <a:xfrm>
+          <a:off x="0" y="0"/>
+          <a:ext cx="0" cy="0"/>
+          <a:chOff x="0" y="0"/>
+          <a:chExt cx="0" cy="0"/>
+        </a:xfrm>
+      </p:grpSpPr>
+      <p:sp>
+        <p:nvSpPr>
+          <p:cNvPr id="3" name="内容占位符 2"/>
+          <p:cNvSpPr>
+            <a:spLocks noGrp="1"/>
+          </p:cNvSpPr>
+          <p:nvPr>
+            <p:ph idx="1"/>
+          </p:nvPr>
+        </p:nvSpPr>
+        <p:spPr>
+          <a:xfrm>
             <a:off x="1607270" y="2033833"/>
             <a:ext cx="5726784" cy="1604913"/>
           </a:xfrm>
@@ -3648,6 +7270,13 @@
   <p:clrMapOvr>
     <a:masterClrMapping/>
   </p:clrMapOvr>
+  <p:timing>
+    <p:tnLst>
+      <p:par>
+        <p:cTn id="1" dur="indefinite" restart="never" nodeType="tmRoot"/>
+      </p:par>
+    </p:tnLst>
+  </p:timing>
 </p:sld>
 </file>
 
@@ -3932,4 +7561,287 @@
   <a:objectDefaults/>
   <a:extraClrSchemeLst/>
 </a:theme>
+</file>
+
+<file path=ppt/theme/theme2.xml><?xml version="1.0" encoding="utf-8"?>
+<a:theme xmlns:a="http://schemas.openxmlformats.org/drawingml/2006/main" name="Office 主题">
+  <a:themeElements>
+    <a:clrScheme name="Office">
+      <a:dk1>
+        <a:sysClr val="windowText" lastClr="000000"/>
+      </a:dk1>
+      <a:lt1>
+        <a:sysClr val="window" lastClr="FFFFFF"/>
+      </a:lt1>
+      <a:dk2>
+        <a:srgbClr val="1F497D"/>
+      </a:dk2>
+      <a:lt2>
+        <a:srgbClr val="EEECE1"/>
+      </a:lt2>
+      <a:accent1>
+        <a:srgbClr val="4F81BD"/>
+      </a:accent1>
+      <a:accent2>
+        <a:srgbClr val="C0504D"/>
+      </a:accent2>
+      <a:accent3>
+        <a:srgbClr val="9BBB59"/>
+      </a:accent3>
+      <a:accent4>
+        <a:srgbClr val="8064A2"/>
+      </a:accent4>
+      <a:accent5>
+        <a:srgbClr val="4BACC6"/>
+      </a:accent5>
+      <a:accent6>
+        <a:srgbClr val="F79646"/>
+      </a:accent6>
+      <a:hlink>
+        <a:srgbClr val="0000FF"/>
+      </a:hlink>
+      <a:folHlink>
+        <a:srgbClr val="800080"/>
+      </a:folHlink>
+    </a:clrScheme>
+    <a:fontScheme name="Office">
+      <a:majorFont>
+        <a:latin typeface="Calibri"/>
+        <a:ea typeface=""/>
+        <a:cs typeface=""/>
+        <a:font script="Jpan" typeface="ＭＳ Ｐゴシック"/>
+        <a:font script="Hang" typeface="맑은 고딕"/>
+        <a:font script="Hans" typeface="宋体"/>
+        <a:font script="Hant" typeface="新細明體"/>
+        <a:font script="Arab" typeface="Times New Roman"/>
+        <a:font script="Hebr" typeface="Times New Roman"/>
+        <a:font script="Thai" typeface="Angsana New"/>
+        <a:font script="Ethi" typeface="Nyala"/>
+        <a:font script="Beng" typeface="Vrinda"/>
+        <a:font script="Gujr" typeface="Shruti"/>
+        <a:font script="Khmr" typeface="MoolBoran"/>
+        <a:font script="Knda" typeface="Tunga"/>
+        <a:font script="Guru" typeface="Raavi"/>
+        <a:font script="Cans" typeface="Euphemia"/>
+        <a:font script="Cher" typeface="Plantagenet Cherokee"/>
+        <a:font script="Yiii" typeface="Microsoft Yi Baiti"/>
+        <a:font script="Tibt" typeface="Microsoft Himalaya"/>
+        <a:font script="Thaa" typeface="MV Boli"/>
+        <a:font script="Deva" typeface="Mangal"/>
+        <a:font script="Telu" typeface="Gautami"/>
+        <a:font script="Taml" typeface="Latha"/>
+        <a:font script="Syrc" typeface="Estrangelo Edessa"/>
+        <a:font script="Orya" typeface="Kalinga"/>
+        <a:font script="Mlym" typeface="Kartika"/>
+        <a:font script="Laoo" typeface="DokChampa"/>
+        <a:font script="Sinh" typeface="Iskoola Pota"/>
+        <a:font script="Mong" typeface="Mongolian Baiti"/>
+        <a:font script="Viet" typeface="Times New Roman"/>
+        <a:font script="Uigh" typeface="Microsoft Uighur"/>
+      </a:majorFont>
+      <a:minorFont>
+        <a:latin typeface="Calibri"/>
+        <a:ea typeface=""/>
+        <a:cs typeface=""/>
+        <a:font script="Jpan" typeface="ＭＳ Ｐゴシック"/>
+        <a:font script="Hang" typeface="맑은 고딕"/>
+        <a:font script="Hans" typeface="宋体"/>
+        <a:font script="Hant" typeface="新細明體"/>
+        <a:font script="Arab" typeface="Arial"/>
+        <a:font script="Hebr" typeface="Arial"/>
+        <a:font script="Thai" typeface="Cordia New"/>
+        <a:font script="Ethi" typeface="Nyala"/>
+        <a:font script="Beng" typeface="Vrinda"/>
+        <a:font script="Gujr" typeface="Shruti"/>
+        <a:font script="Khmr" typeface="DaunPenh"/>
+        <a:font script="Knda" typeface="Tunga"/>
+        <a:font script="Guru" typeface="Raavi"/>
+        <a:font script="Cans" typeface="Euphemia"/>
+        <a:font script="Cher" typeface="Plantagenet Cherokee"/>
+        <a:font script="Yiii" typeface="Microsoft Yi Baiti"/>
+        <a:font script="Tibt" typeface="Microsoft Himalaya"/>
+        <a:font script="Thaa" typeface="MV Boli"/>
+        <a:font script="Deva" typeface="Mangal"/>
+        <a:font script="Telu" typeface="Gautami"/>
+        <a:font script="Taml" typeface="Latha"/>
+        <a:font script="Syrc" typeface="Estrangelo Edessa"/>
+        <a:font script="Orya" typeface="Kalinga"/>
+        <a:font script="Mlym" typeface="Kartika"/>
+        <a:font script="Laoo" typeface="DokChampa"/>
+        <a:font script="Sinh" typeface="Iskoola Pota"/>
+        <a:font script="Mong" typeface="Mongolian Baiti"/>
+        <a:font script="Viet" typeface="Arial"/>
+        <a:font script="Uigh" typeface="Microsoft Uighur"/>
+      </a:minorFont>
+    </a:fontScheme>
+    <a:fmtScheme name="Office">
+      <a:fillStyleLst>
+        <a:solidFill>
+          <a:schemeClr val="phClr"/>
+        </a:solidFill>
+        <a:gradFill rotWithShape="1">
+          <a:gsLst>
+            <a:gs pos="0">
+              <a:schemeClr val="phClr">
+                <a:tint val="50000"/>
+                <a:satMod val="300000"/>
+              </a:schemeClr>
+            </a:gs>
+            <a:gs pos="35000">
+              <a:schemeClr val="phClr">
+                <a:tint val="37000"/>
+                <a:satMod val="300000"/>
+              </a:schemeClr>
+            </a:gs>
+            <a:gs pos="100000">
+              <a:schemeClr val="phClr">
+                <a:tint val="15000"/>
+                <a:satMod val="350000"/>
+              </a:schemeClr>
+            </a:gs>
+          </a:gsLst>
+          <a:lin ang="16200000" scaled="1"/>
+        </a:gradFill>
+        <a:gradFill rotWithShape="1">
+          <a:gsLst>
+            <a:gs pos="0">
+              <a:schemeClr val="phClr">
+                <a:shade val="51000"/>
+                <a:satMod val="130000"/>
+              </a:schemeClr>
+            </a:gs>
+            <a:gs pos="80000">
+              <a:schemeClr val="phClr">
+                <a:shade val="93000"/>
+                <a:satMod val="130000"/>
+              </a:schemeClr>
+            </a:gs>
+            <a:gs pos="100000">
+              <a:schemeClr val="phClr">
+                <a:shade val="94000"/>
+                <a:satMod val="135000"/>
+              </a:schemeClr>
+            </a:gs>
+          </a:gsLst>
+          <a:lin ang="16200000" scaled="0"/>
+        </a:gradFill>
+      </a:fillStyleLst>
+      <a:lnStyleLst>
+        <a:ln w="9525" cap="flat" cmpd="sng" algn="ctr">
+          <a:solidFill>
+            <a:schemeClr val="phClr">
+              <a:shade val="95000"/>
+              <a:satMod val="105000"/>
+            </a:schemeClr>
+          </a:solidFill>
+          <a:prstDash val="solid"/>
+        </a:ln>
+        <a:ln w="25400" cap="flat" cmpd="sng" algn="ctr">
+          <a:solidFill>
+            <a:schemeClr val="phClr"/>
+          </a:solidFill>
+          <a:prstDash val="solid"/>
+        </a:ln>
+        <a:ln w="38100" cap="flat" cmpd="sng" algn="ctr">
+          <a:solidFill>
+            <a:schemeClr val="phClr"/>
+          </a:solidFill>
+          <a:prstDash val="solid"/>
+        </a:ln>
+      </a:lnStyleLst>
+      <a:effectStyleLst>
+        <a:effectStyle>
+          <a:effectLst>
+            <a:outerShdw blurRad="40000" dist="20000" dir="5400000" rotWithShape="0">
+              <a:srgbClr val="000000">
+                <a:alpha val="38000"/>
+              </a:srgbClr>
+            </a:outerShdw>
+          </a:effectLst>
+        </a:effectStyle>
+        <a:effectStyle>
+          <a:effectLst>
+            <a:outerShdw blurRad="40000" dist="23000" dir="5400000" rotWithShape="0">
+              <a:srgbClr val="000000">
+                <a:alpha val="35000"/>
+              </a:srgbClr>
+            </a:outerShdw>
+          </a:effectLst>
+        </a:effectStyle>
+        <a:effectStyle>
+          <a:effectLst>
+            <a:outerShdw blurRad="40000" dist="23000" dir="5400000" rotWithShape="0">
+              <a:srgbClr val="000000">
+                <a:alpha val="35000"/>
+              </a:srgbClr>
+            </a:outerShdw>
+          </a:effectLst>
+          <a:scene3d>
+            <a:camera prst="orthographicFront">
+              <a:rot lat="0" lon="0" rev="0"/>
+            </a:camera>
+            <a:lightRig rig="threePt" dir="t">
+              <a:rot lat="0" lon="0" rev="1200000"/>
+            </a:lightRig>
+          </a:scene3d>
+          <a:sp3d>
+            <a:bevelT w="63500" h="25400"/>
+          </a:sp3d>
+        </a:effectStyle>
+      </a:effectStyleLst>
+      <a:bgFillStyleLst>
+        <a:solidFill>
+          <a:schemeClr val="phClr"/>
+        </a:solidFill>
+        <a:gradFill rotWithShape="1">
+          <a:gsLst>
+            <a:gs pos="0">
+              <a:schemeClr val="phClr">
+                <a:tint val="40000"/>
+                <a:satMod val="350000"/>
+              </a:schemeClr>
+            </a:gs>
+            <a:gs pos="40000">
+              <a:schemeClr val="phClr">
+                <a:tint val="45000"/>
+                <a:shade val="99000"/>
+                <a:satMod val="350000"/>
+              </a:schemeClr>
+            </a:gs>
+            <a:gs pos="100000">
+              <a:schemeClr val="phClr">
+                <a:shade val="20000"/>
+                <a:satMod val="255000"/>
+              </a:schemeClr>
+            </a:gs>
+          </a:gsLst>
+          <a:path path="circle">
+            <a:fillToRect l="50000" t="-80000" r="50000" b="180000"/>
+          </a:path>
+        </a:gradFill>
+        <a:gradFill rotWithShape="1">
+          <a:gsLst>
+            <a:gs pos="0">
+              <a:schemeClr val="phClr">
+                <a:tint val="80000"/>
+                <a:satMod val="300000"/>
+              </a:schemeClr>
+            </a:gs>
+            <a:gs pos="100000">
+              <a:schemeClr val="phClr">
+                <a:shade val="30000"/>
+                <a:satMod val="200000"/>
+              </a:schemeClr>
+            </a:gs>
+          </a:gsLst>
+          <a:path path="circle">
+            <a:fillToRect l="50000" t="50000" r="50000" b="50000"/>
+          </a:path>
+        </a:gradFill>
+      </a:bgFillStyleLst>
+    </a:fmtScheme>
+  </a:themeElements>
+  <a:objectDefaults/>
+  <a:extraClrSchemeLst/>
+</a:theme>
 </file>